--- a/화면 설계서/2.수주대상 품목 조회 페이지.pptx
+++ b/화면 설계서/2.수주대상 품목 조회 페이지.pptx
@@ -259,7 +259,7 @@
           <a:p>
             <a:fld id="{C242C0C9-765C-413A-B37B-2062E4D73562}" type="datetimeFigureOut">
               <a:rPr lang="ko-KR" altLang="en-US" smtClean="0"/>
-              <a:t>2025-10-02</a:t>
+              <a:t>2025-10-10</a:t>
             </a:fld>
             <a:endParaRPr lang="ko-KR" altLang="en-US"/>
           </a:p>
@@ -457,7 +457,7 @@
           <a:p>
             <a:fld id="{C242C0C9-765C-413A-B37B-2062E4D73562}" type="datetimeFigureOut">
               <a:rPr lang="ko-KR" altLang="en-US" smtClean="0"/>
-              <a:t>2025-10-02</a:t>
+              <a:t>2025-10-10</a:t>
             </a:fld>
             <a:endParaRPr lang="ko-KR" altLang="en-US"/>
           </a:p>
@@ -665,7 +665,7 @@
           <a:p>
             <a:fld id="{C242C0C9-765C-413A-B37B-2062E4D73562}" type="datetimeFigureOut">
               <a:rPr lang="ko-KR" altLang="en-US" smtClean="0"/>
-              <a:t>2025-10-02</a:t>
+              <a:t>2025-10-10</a:t>
             </a:fld>
             <a:endParaRPr lang="ko-KR" altLang="en-US"/>
           </a:p>
@@ -863,7 +863,7 @@
           <a:p>
             <a:fld id="{C242C0C9-765C-413A-B37B-2062E4D73562}" type="datetimeFigureOut">
               <a:rPr lang="ko-KR" altLang="en-US" smtClean="0"/>
-              <a:t>2025-10-02</a:t>
+              <a:t>2025-10-10</a:t>
             </a:fld>
             <a:endParaRPr lang="ko-KR" altLang="en-US"/>
           </a:p>
@@ -1138,7 +1138,7 @@
           <a:p>
             <a:fld id="{C242C0C9-765C-413A-B37B-2062E4D73562}" type="datetimeFigureOut">
               <a:rPr lang="ko-KR" altLang="en-US" smtClean="0"/>
-              <a:t>2025-10-02</a:t>
+              <a:t>2025-10-10</a:t>
             </a:fld>
             <a:endParaRPr lang="ko-KR" altLang="en-US"/>
           </a:p>
@@ -1403,7 +1403,7 @@
           <a:p>
             <a:fld id="{C242C0C9-765C-413A-B37B-2062E4D73562}" type="datetimeFigureOut">
               <a:rPr lang="ko-KR" altLang="en-US" smtClean="0"/>
-              <a:t>2025-10-02</a:t>
+              <a:t>2025-10-10</a:t>
             </a:fld>
             <a:endParaRPr lang="ko-KR" altLang="en-US"/>
           </a:p>
@@ -1815,7 +1815,7 @@
           <a:p>
             <a:fld id="{C242C0C9-765C-413A-B37B-2062E4D73562}" type="datetimeFigureOut">
               <a:rPr lang="ko-KR" altLang="en-US" smtClean="0"/>
-              <a:t>2025-10-02</a:t>
+              <a:t>2025-10-10</a:t>
             </a:fld>
             <a:endParaRPr lang="ko-KR" altLang="en-US"/>
           </a:p>
@@ -1956,7 +1956,7 @@
           <a:p>
             <a:fld id="{C242C0C9-765C-413A-B37B-2062E4D73562}" type="datetimeFigureOut">
               <a:rPr lang="ko-KR" altLang="en-US" smtClean="0"/>
-              <a:t>2025-10-02</a:t>
+              <a:t>2025-10-10</a:t>
             </a:fld>
             <a:endParaRPr lang="ko-KR" altLang="en-US"/>
           </a:p>
@@ -2069,7 +2069,7 @@
           <a:p>
             <a:fld id="{C242C0C9-765C-413A-B37B-2062E4D73562}" type="datetimeFigureOut">
               <a:rPr lang="ko-KR" altLang="en-US" smtClean="0"/>
-              <a:t>2025-10-02</a:t>
+              <a:t>2025-10-10</a:t>
             </a:fld>
             <a:endParaRPr lang="ko-KR" altLang="en-US"/>
           </a:p>
@@ -2380,7 +2380,7 @@
           <a:p>
             <a:fld id="{C242C0C9-765C-413A-B37B-2062E4D73562}" type="datetimeFigureOut">
               <a:rPr lang="ko-KR" altLang="en-US" smtClean="0"/>
-              <a:t>2025-10-02</a:t>
+              <a:t>2025-10-10</a:t>
             </a:fld>
             <a:endParaRPr lang="ko-KR" altLang="en-US"/>
           </a:p>
@@ -2668,7 +2668,7 @@
           <a:p>
             <a:fld id="{C242C0C9-765C-413A-B37B-2062E4D73562}" type="datetimeFigureOut">
               <a:rPr lang="ko-KR" altLang="en-US" smtClean="0"/>
-              <a:t>2025-10-02</a:t>
+              <a:t>2025-10-10</a:t>
             </a:fld>
             <a:endParaRPr lang="ko-KR" altLang="en-US"/>
           </a:p>
@@ -2909,7 +2909,7 @@
           <a:p>
             <a:fld id="{C242C0C9-765C-413A-B37B-2062E4D73562}" type="datetimeFigureOut">
               <a:rPr lang="ko-KR" altLang="en-US" smtClean="0"/>
-              <a:t>2025-10-02</a:t>
+              <a:t>2025-10-10</a:t>
             </a:fld>
             <a:endParaRPr lang="ko-KR" altLang="en-US"/>
           </a:p>
@@ -3499,8 +3499,8 @@
         </p:nvSpPr>
         <p:spPr>
           <a:xfrm>
-            <a:off x="7801279" y="1193371"/>
-            <a:ext cx="1916130" cy="404059"/>
+            <a:off x="7801278" y="1193371"/>
+            <a:ext cx="2056775" cy="404059"/>
           </a:xfrm>
           <a:prstGeom prst="roundRect">
             <a:avLst/>
@@ -3958,42 +3958,6 @@
         <p:spPr>
           <a:xfrm>
             <a:off x="6591462" y="1315444"/>
-            <a:ext cx="170809" cy="138703"/>
-          </a:xfrm>
-          <a:prstGeom prst="rect">
-            <a:avLst/>
-          </a:prstGeom>
-        </p:spPr>
-      </p:pic>
-      <p:pic>
-        <p:nvPicPr>
-          <p:cNvPr id="51" name="그래픽 50" descr="돋보기">
-            <a:extLst>
-              <a:ext uri="{FF2B5EF4-FFF2-40B4-BE49-F238E27FC236}">
-                <a16:creationId xmlns:a16="http://schemas.microsoft.com/office/drawing/2014/main" id="{F09C5538-79AB-F979-79F4-D551DE1B8372}"/>
-              </a:ext>
-            </a:extLst>
-          </p:cNvPr>
-          <p:cNvPicPr>
-            <a:picLocks noChangeAspect="1"/>
-          </p:cNvPicPr>
-          <p:nvPr/>
-        </p:nvPicPr>
-        <p:blipFill>
-          <a:blip r:embed="rId2">
-            <a:extLst>
-              <a:ext uri="{96DAC541-7B7A-43D3-8B79-37D633B846F1}">
-                <asvg:svgBlip xmlns:asvg="http://schemas.microsoft.com/office/drawing/2016/SVG/main" r:embed="rId3"/>
-              </a:ext>
-            </a:extLst>
-          </a:blip>
-          <a:stretch>
-            <a:fillRect/>
-          </a:stretch>
-        </p:blipFill>
-        <p:spPr>
-          <a:xfrm>
-            <a:off x="9493991" y="1305291"/>
             <a:ext cx="170809" cy="138703"/>
           </a:xfrm>
           <a:prstGeom prst="rect">
@@ -5208,53 +5172,6 @@
       </p:sp>
       <p:sp>
         <p:nvSpPr>
-          <p:cNvPr id="123" name="사각형: 둥근 모서리 122">
-            <a:extLst>
-              <a:ext uri="{FF2B5EF4-FFF2-40B4-BE49-F238E27FC236}">
-                <a16:creationId xmlns:a16="http://schemas.microsoft.com/office/drawing/2014/main" id="{632F777A-328B-4249-9E0A-47EB09C19E12}"/>
-              </a:ext>
-            </a:extLst>
-          </p:cNvPr>
-          <p:cNvSpPr/>
-          <p:nvPr/>
-        </p:nvSpPr>
-        <p:spPr>
-          <a:xfrm>
-            <a:off x="11098309" y="2543559"/>
-            <a:ext cx="741572" cy="227002"/>
-          </a:xfrm>
-          <a:prstGeom prst="roundRect">
-            <a:avLst/>
-          </a:prstGeom>
-        </p:spPr>
-        <p:style>
-          <a:lnRef idx="2">
-            <a:schemeClr val="dk1"/>
-          </a:lnRef>
-          <a:fillRef idx="1">
-            <a:schemeClr val="lt1"/>
-          </a:fillRef>
-          <a:effectRef idx="0">
-            <a:schemeClr val="dk1"/>
-          </a:effectRef>
-          <a:fontRef idx="minor">
-            <a:schemeClr val="dk1"/>
-          </a:fontRef>
-        </p:style>
-        <p:txBody>
-          <a:bodyPr rtlCol="0" anchor="ctr"/>
-          <a:lstStyle/>
-          <a:p>
-            <a:pPr algn="ctr"/>
-            <a:r>
-              <a:rPr lang="ko-KR" altLang="en-US" sz="800"/>
-              <a:t>거래 종료 </a:t>
-            </a:r>
-          </a:p>
-        </p:txBody>
-      </p:sp>
-      <p:sp>
-        <p:nvSpPr>
           <p:cNvPr id="126" name="사각형: 둥근 모서리 125">
             <a:extLst>
               <a:ext uri="{FF2B5EF4-FFF2-40B4-BE49-F238E27FC236}">
@@ -5680,60 +5597,21 @@
           </a:p>
         </p:txBody>
       </p:sp>
-      <p:cxnSp>
-        <p:nvCxnSpPr>
-          <p:cNvPr id="3" name="직선 화살표 연결선 2">
-            <a:extLst>
-              <a:ext uri="{FF2B5EF4-FFF2-40B4-BE49-F238E27FC236}">
-                <a16:creationId xmlns:a16="http://schemas.microsoft.com/office/drawing/2014/main" id="{CA372BD0-A487-6BB7-9348-44AC90277E11}"/>
-              </a:ext>
-            </a:extLst>
-          </p:cNvPr>
-          <p:cNvCxnSpPr/>
+      <p:sp>
+        <p:nvSpPr>
+          <p:cNvPr id="2" name="사각형: 둥근 모서리 1">
+            <a:extLst>
+              <a:ext uri="{FF2B5EF4-FFF2-40B4-BE49-F238E27FC236}">
+                <a16:creationId xmlns:a16="http://schemas.microsoft.com/office/drawing/2014/main" id="{D2358345-4104-7675-1FDF-52B0BD8DD32B}"/>
+              </a:ext>
+            </a:extLst>
+          </p:cNvPr>
+          <p:cNvSpPr/>
           <p:nvPr/>
-        </p:nvCxnSpPr>
+        </p:nvSpPr>
         <p:spPr>
           <a:xfrm>
-            <a:off x="11457735" y="5911921"/>
-            <a:ext cx="0" cy="303945"/>
-          </a:xfrm>
-          <a:prstGeom prst="straightConnector1">
-            <a:avLst/>
-          </a:prstGeom>
-          <a:ln>
-            <a:tailEnd type="triangle"/>
-          </a:ln>
-        </p:spPr>
-        <p:style>
-          <a:lnRef idx="1">
-            <a:schemeClr val="accent1"/>
-          </a:lnRef>
-          <a:fillRef idx="0">
-            <a:schemeClr val="accent1"/>
-          </a:fillRef>
-          <a:effectRef idx="0">
-            <a:schemeClr val="accent1"/>
-          </a:effectRef>
-          <a:fontRef idx="minor">
-            <a:schemeClr val="tx1"/>
-          </a:fontRef>
-        </p:style>
-      </p:cxnSp>
-      <p:sp>
-        <p:nvSpPr>
-          <p:cNvPr id="2" name="사각형: 둥근 모서리 1">
-            <a:extLst>
-              <a:ext uri="{FF2B5EF4-FFF2-40B4-BE49-F238E27FC236}">
-                <a16:creationId xmlns:a16="http://schemas.microsoft.com/office/drawing/2014/main" id="{D2358345-4104-7675-1FDF-52B0BD8DD32B}"/>
-              </a:ext>
-            </a:extLst>
-          </p:cNvPr>
-          <p:cNvSpPr/>
-          <p:nvPr/>
-        </p:nvSpPr>
-        <p:spPr>
-          <a:xfrm>
-            <a:off x="11086949" y="6397479"/>
+            <a:off x="11092086" y="2540154"/>
             <a:ext cx="741572" cy="227002"/>
           </a:xfrm>
           <a:prstGeom prst="roundRect">
@@ -5802,6 +5680,296 @@
           </a:prstGeom>
         </p:spPr>
       </p:pic>
+      <p:sp>
+        <p:nvSpPr>
+          <p:cNvPr id="12" name="순서도: 병합 11">
+            <a:extLst>
+              <a:ext uri="{FF2B5EF4-FFF2-40B4-BE49-F238E27FC236}">
+                <a16:creationId xmlns:a16="http://schemas.microsoft.com/office/drawing/2014/main" id="{90F3599E-7F04-DF08-5755-C25AC05AB330}"/>
+              </a:ext>
+            </a:extLst>
+          </p:cNvPr>
+          <p:cNvSpPr/>
+          <p:nvPr/>
+        </p:nvSpPr>
+        <p:spPr>
+          <a:xfrm>
+            <a:off x="9600374" y="1361652"/>
+            <a:ext cx="112195" cy="103405"/>
+          </a:xfrm>
+          <a:prstGeom prst="flowChartMerge">
+            <a:avLst/>
+          </a:prstGeom>
+        </p:spPr>
+        <p:style>
+          <a:lnRef idx="2">
+            <a:schemeClr val="accent1">
+              <a:shade val="15000"/>
+            </a:schemeClr>
+          </a:lnRef>
+          <a:fillRef idx="1">
+            <a:schemeClr val="accent1"/>
+          </a:fillRef>
+          <a:effectRef idx="0">
+            <a:schemeClr val="accent1"/>
+          </a:effectRef>
+          <a:fontRef idx="minor">
+            <a:schemeClr val="lt1"/>
+          </a:fontRef>
+        </p:style>
+        <p:txBody>
+          <a:bodyPr rtlCol="0" anchor="ctr"/>
+          <a:lstStyle/>
+          <a:p>
+            <a:pPr algn="ctr"/>
+            <a:endParaRPr lang="ko-KR" altLang="en-US"/>
+          </a:p>
+        </p:txBody>
+      </p:sp>
+      <p:sp>
+        <p:nvSpPr>
+          <p:cNvPr id="13" name="순서도: 연결자 12">
+            <a:extLst>
+              <a:ext uri="{FF2B5EF4-FFF2-40B4-BE49-F238E27FC236}">
+                <a16:creationId xmlns:a16="http://schemas.microsoft.com/office/drawing/2014/main" id="{6E05DC75-04C3-BC02-1088-C5A5FBAE6BE6}"/>
+              </a:ext>
+            </a:extLst>
+          </p:cNvPr>
+          <p:cNvSpPr/>
+          <p:nvPr/>
+        </p:nvSpPr>
+        <p:spPr>
+          <a:xfrm>
+            <a:off x="10076712" y="215633"/>
+            <a:ext cx="156117" cy="161693"/>
+          </a:xfrm>
+          <a:prstGeom prst="flowChartConnector">
+            <a:avLst/>
+          </a:prstGeom>
+          <a:solidFill>
+            <a:srgbClr val="FFFF00"/>
+          </a:solidFill>
+        </p:spPr>
+        <p:style>
+          <a:lnRef idx="2">
+            <a:schemeClr val="accent4">
+              <a:shade val="15000"/>
+            </a:schemeClr>
+          </a:lnRef>
+          <a:fillRef idx="1">
+            <a:schemeClr val="accent4"/>
+          </a:fillRef>
+          <a:effectRef idx="0">
+            <a:schemeClr val="accent4"/>
+          </a:effectRef>
+          <a:fontRef idx="minor">
+            <a:schemeClr val="lt1"/>
+          </a:fontRef>
+        </p:style>
+        <p:txBody>
+          <a:bodyPr rtlCol="0" anchor="ctr"/>
+          <a:lstStyle/>
+          <a:p>
+            <a:pPr algn="ctr"/>
+            <a:r>
+              <a:rPr lang="en-US" altLang="ko-KR" sz="1000">
+                <a:solidFill>
+                  <a:schemeClr val="tx1"/>
+                </a:solidFill>
+              </a:rPr>
+              <a:t>1</a:t>
+            </a:r>
+            <a:endParaRPr lang="ko-KR" altLang="en-US" sz="1000">
+              <a:solidFill>
+                <a:schemeClr val="tx1"/>
+              </a:solidFill>
+            </a:endParaRPr>
+          </a:p>
+        </p:txBody>
+      </p:sp>
+      <p:sp>
+        <p:nvSpPr>
+          <p:cNvPr id="19" name="순서도: 연결자 18">
+            <a:extLst>
+              <a:ext uri="{FF2B5EF4-FFF2-40B4-BE49-F238E27FC236}">
+                <a16:creationId xmlns:a16="http://schemas.microsoft.com/office/drawing/2014/main" id="{F1AC265F-93AF-B8FB-999C-B73AA7BF6B9C}"/>
+              </a:ext>
+            </a:extLst>
+          </p:cNvPr>
+          <p:cNvSpPr/>
+          <p:nvPr/>
+        </p:nvSpPr>
+        <p:spPr>
+          <a:xfrm>
+            <a:off x="10076712" y="1038088"/>
+            <a:ext cx="156117" cy="161693"/>
+          </a:xfrm>
+          <a:prstGeom prst="flowChartConnector">
+            <a:avLst/>
+          </a:prstGeom>
+          <a:solidFill>
+            <a:srgbClr val="FFFF00"/>
+          </a:solidFill>
+        </p:spPr>
+        <p:style>
+          <a:lnRef idx="2">
+            <a:schemeClr val="accent4">
+              <a:shade val="15000"/>
+            </a:schemeClr>
+          </a:lnRef>
+          <a:fillRef idx="1">
+            <a:schemeClr val="accent4"/>
+          </a:fillRef>
+          <a:effectRef idx="0">
+            <a:schemeClr val="accent4"/>
+          </a:effectRef>
+          <a:fontRef idx="minor">
+            <a:schemeClr val="lt1"/>
+          </a:fontRef>
+        </p:style>
+        <p:txBody>
+          <a:bodyPr rtlCol="0" anchor="ctr"/>
+          <a:lstStyle/>
+          <a:p>
+            <a:pPr algn="ctr"/>
+            <a:r>
+              <a:rPr lang="en-US" altLang="ko-KR" sz="1000">
+                <a:solidFill>
+                  <a:schemeClr val="tx1"/>
+                </a:solidFill>
+              </a:rPr>
+              <a:t>2</a:t>
+            </a:r>
+            <a:endParaRPr lang="ko-KR" altLang="en-US" sz="1000">
+              <a:solidFill>
+                <a:schemeClr val="tx1"/>
+              </a:solidFill>
+            </a:endParaRPr>
+          </a:p>
+        </p:txBody>
+      </p:sp>
+      <p:sp>
+        <p:nvSpPr>
+          <p:cNvPr id="20" name="순서도: 연결자 19">
+            <a:extLst>
+              <a:ext uri="{FF2B5EF4-FFF2-40B4-BE49-F238E27FC236}">
+                <a16:creationId xmlns:a16="http://schemas.microsoft.com/office/drawing/2014/main" id="{79CBDAD4-2A65-3201-B103-A4C8570C9BB4}"/>
+              </a:ext>
+            </a:extLst>
+          </p:cNvPr>
+          <p:cNvSpPr/>
+          <p:nvPr/>
+        </p:nvSpPr>
+        <p:spPr>
+          <a:xfrm>
+            <a:off x="2712878" y="2195996"/>
+            <a:ext cx="156117" cy="161693"/>
+          </a:xfrm>
+          <a:prstGeom prst="flowChartConnector">
+            <a:avLst/>
+          </a:prstGeom>
+          <a:solidFill>
+            <a:srgbClr val="FFFF00"/>
+          </a:solidFill>
+        </p:spPr>
+        <p:style>
+          <a:lnRef idx="2">
+            <a:schemeClr val="accent4">
+              <a:shade val="15000"/>
+            </a:schemeClr>
+          </a:lnRef>
+          <a:fillRef idx="1">
+            <a:schemeClr val="accent4"/>
+          </a:fillRef>
+          <a:effectRef idx="0">
+            <a:schemeClr val="accent4"/>
+          </a:effectRef>
+          <a:fontRef idx="minor">
+            <a:schemeClr val="lt1"/>
+          </a:fontRef>
+        </p:style>
+        <p:txBody>
+          <a:bodyPr rtlCol="0" anchor="ctr"/>
+          <a:lstStyle/>
+          <a:p>
+            <a:pPr algn="ctr"/>
+            <a:r>
+              <a:rPr lang="en-US" altLang="ko-KR" sz="1000">
+                <a:solidFill>
+                  <a:schemeClr val="tx1"/>
+                </a:solidFill>
+              </a:rPr>
+              <a:t>3</a:t>
+            </a:r>
+            <a:endParaRPr lang="ko-KR" altLang="en-US" sz="1000">
+              <a:solidFill>
+                <a:schemeClr val="tx1"/>
+              </a:solidFill>
+            </a:endParaRPr>
+          </a:p>
+        </p:txBody>
+      </p:sp>
+      <p:sp>
+        <p:nvSpPr>
+          <p:cNvPr id="21" name="순서도: 연결자 20">
+            <a:extLst>
+              <a:ext uri="{FF2B5EF4-FFF2-40B4-BE49-F238E27FC236}">
+                <a16:creationId xmlns:a16="http://schemas.microsoft.com/office/drawing/2014/main" id="{8763ACAF-7400-9AE3-6198-176DD5BE7EC2}"/>
+              </a:ext>
+            </a:extLst>
+          </p:cNvPr>
+          <p:cNvSpPr/>
+          <p:nvPr/>
+        </p:nvSpPr>
+        <p:spPr>
+          <a:xfrm>
+            <a:off x="10980839" y="2155121"/>
+            <a:ext cx="156117" cy="161693"/>
+          </a:xfrm>
+          <a:prstGeom prst="flowChartConnector">
+            <a:avLst/>
+          </a:prstGeom>
+          <a:solidFill>
+            <a:srgbClr val="FFFF00"/>
+          </a:solidFill>
+        </p:spPr>
+        <p:style>
+          <a:lnRef idx="2">
+            <a:schemeClr val="accent4">
+              <a:shade val="15000"/>
+            </a:schemeClr>
+          </a:lnRef>
+          <a:fillRef idx="1">
+            <a:schemeClr val="accent4"/>
+          </a:fillRef>
+          <a:effectRef idx="0">
+            <a:schemeClr val="accent4"/>
+          </a:effectRef>
+          <a:fontRef idx="minor">
+            <a:schemeClr val="lt1"/>
+          </a:fontRef>
+        </p:style>
+        <p:txBody>
+          <a:bodyPr rtlCol="0" anchor="ctr"/>
+          <a:lstStyle/>
+          <a:p>
+            <a:pPr algn="ctr"/>
+            <a:r>
+              <a:rPr lang="en-US" altLang="ko-KR" sz="1000">
+                <a:solidFill>
+                  <a:schemeClr val="tx1"/>
+                </a:solidFill>
+              </a:rPr>
+              <a:t>4</a:t>
+            </a:r>
+            <a:endParaRPr lang="ko-KR" altLang="en-US" sz="1000">
+              <a:solidFill>
+                <a:schemeClr val="tx1"/>
+              </a:solidFill>
+            </a:endParaRPr>
+          </a:p>
+        </p:txBody>
+      </p:sp>
     </p:spTree>
     <p:extLst>
       <p:ext uri="{BB962C8B-B14F-4D97-AF65-F5344CB8AC3E}">

--- a/화면 설계서/2.수주대상 품목 조회 페이지.pptx
+++ b/화면 설계서/2.수주대상 품목 조회 페이지.pptx
@@ -3980,14 +3980,14 @@
           <p:nvPr>
             <p:extLst>
               <p:ext uri="{D42A27DB-BD31-4B8C-83A1-F6EECF244321}">
-                <p14:modId xmlns:p14="http://schemas.microsoft.com/office/powerpoint/2010/main" val="2219534763"/>
+                <p14:modId xmlns:p14="http://schemas.microsoft.com/office/powerpoint/2010/main" val="1939170834"/>
               </p:ext>
             </p:extLst>
           </p:nvPr>
         </p:nvGraphicFramePr>
         <p:xfrm>
           <a:off x="145926" y="1729678"/>
-          <a:ext cx="11892916" cy="4074160"/>
+          <a:ext cx="11892916" cy="3332480"/>
         </p:xfrm>
         <a:graphic>
           <a:graphicData uri="http://schemas.openxmlformats.org/drawingml/2006/table">
@@ -4131,9 +4131,22 @@
                     <a:p>
                       <a:pPr latinLnBrk="1"/>
                       <a:r>
-                        <a:rPr lang="ko-KR" altLang="en-US"/>
+                        <a:rPr lang="ko-KR" altLang="en-US" dirty="0"/>
                         <a:t>품목 단가</a:t>
                       </a:r>
+                      <a:r>
+                        <a:rPr lang="en-US" altLang="ko-KR" dirty="0"/>
+                        <a:t>(</a:t>
+                      </a:r>
+                      <a:r>
+                        <a:rPr lang="ko-KR" altLang="en-US" dirty="0"/>
+                        <a:t>원</a:t>
+                      </a:r>
+                      <a:r>
+                        <a:rPr lang="en-US" altLang="ko-KR" dirty="0"/>
+                        <a:t>)</a:t>
+                      </a:r>
+                      <a:endParaRPr lang="ko-KR" altLang="en-US" dirty="0"/>
                     </a:p>
                   </a:txBody>
                   <a:tcPr/>
@@ -4176,7 +4189,27 @@
                     <a:lstStyle/>
                     <a:p>
                       <a:pPr latinLnBrk="1"/>
-                      <a:endParaRPr lang="ko-KR" altLang="en-US"/>
+                      <a:r>
+                        <a:rPr lang="ko-KR" altLang="en-US" sz="1600" dirty="0">
+                          <a:solidFill>
+                            <a:schemeClr val="tx1"/>
+                          </a:solidFill>
+                        </a:rPr>
+                        <a:t>거래처 </a:t>
+                      </a:r>
+                      <a:r>
+                        <a:rPr lang="en-US" altLang="ko-KR" sz="1600" dirty="0">
+                          <a:solidFill>
+                            <a:schemeClr val="tx1"/>
+                          </a:solidFill>
+                        </a:rPr>
+                        <a:t>A</a:t>
+                      </a:r>
+                      <a:endParaRPr lang="ko-KR" altLang="en-US" sz="1600" dirty="0">
+                        <a:solidFill>
+                          <a:schemeClr val="tx1"/>
+                        </a:solidFill>
+                      </a:endParaRPr>
                     </a:p>
                   </a:txBody>
                   <a:tcPr/>
@@ -4187,7 +4220,11 @@
                     <a:lstStyle/>
                     <a:p>
                       <a:pPr latinLnBrk="1"/>
-                      <a:endParaRPr lang="ko-KR" altLang="en-US"/>
+                      <a:r>
+                        <a:rPr lang="en-US" altLang="ko-KR" sz="1200" dirty="0"/>
+                        <a:t>AD217000</a:t>
+                      </a:r>
+                      <a:endParaRPr lang="ko-KR" altLang="en-US" sz="1200" dirty="0"/>
                     </a:p>
                   </a:txBody>
                   <a:tcPr/>
@@ -4198,7 +4235,15 @@
                     <a:lstStyle/>
                     <a:p>
                       <a:pPr latinLnBrk="1"/>
-                      <a:endParaRPr lang="ko-KR" altLang="en-US"/>
+                      <a:r>
+                        <a:rPr lang="ko-KR" altLang="en-US" u="sng" dirty="0"/>
+                        <a:t>품목</a:t>
+                      </a:r>
+                      <a:r>
+                        <a:rPr lang="en-US" altLang="ko-KR" u="sng" dirty="0"/>
+                        <a:t>A</a:t>
+                      </a:r>
+                      <a:endParaRPr lang="ko-KR" altLang="en-US" u="sng" dirty="0"/>
                     </a:p>
                   </a:txBody>
                   <a:tcPr/>
@@ -4209,7 +4254,10 @@
                     <a:lstStyle/>
                     <a:p>
                       <a:pPr latinLnBrk="1"/>
-                      <a:endParaRPr lang="ko-KR" altLang="en-US"/>
+                      <a:r>
+                        <a:rPr lang="ko-KR" altLang="en-US" sz="1600" dirty="0"/>
+                        <a:t>방산</a:t>
+                      </a:r>
                     </a:p>
                   </a:txBody>
                   <a:tcPr/>
@@ -4219,8 +4267,54 @@
                     <a:bodyPr/>
                     <a:lstStyle/>
                     <a:p>
-                      <a:pPr latinLnBrk="1"/>
-                      <a:endParaRPr lang="ko-KR" altLang="en-US"/>
+                      <a:pPr marL="0" marR="0" lvl="0" indent="0" algn="l" defTabSz="914400" rtl="0" eaLnBrk="1" fontAlgn="auto" latinLnBrk="1" hangingPunct="1">
+                        <a:lnSpc>
+                          <a:spcPct val="100000"/>
+                        </a:lnSpc>
+                        <a:spcBef>
+                          <a:spcPts val="0"/>
+                        </a:spcBef>
+                        <a:spcAft>
+                          <a:spcPts val="0"/>
+                        </a:spcAft>
+                        <a:buClrTx/>
+                        <a:buSzTx/>
+                        <a:buFontTx/>
+                        <a:buNone/>
+                        <a:tabLst/>
+                        <a:defRPr/>
+                      </a:pPr>
+                      <a:r>
+                        <a:rPr kumimoji="0" lang="ko-KR" altLang="en-US" sz="1800" b="0" i="0" u="none" strike="noStrike" kern="1200" cap="none" spc="0" normalizeH="0" baseline="0" noProof="0">
+                          <a:ln>
+                            <a:noFill/>
+                          </a:ln>
+                          <a:solidFill>
+                            <a:prstClr val="black"/>
+                          </a:solidFill>
+                          <a:effectLst/>
+                          <a:uLnTx/>
+                          <a:uFillTx/>
+                          <a:latin typeface="맑은 고딕" panose="020F0502020204030204"/>
+                          <a:ea typeface="맑은 고딕" panose="020B0503020000020004" pitchFamily="50" charset="-127"/>
+                          <a:cs typeface="+mn-cs"/>
+                        </a:rPr>
+                        <a:t>액체</a:t>
+                      </a:r>
+                      <a:endParaRPr kumimoji="0" lang="ko-KR" altLang="en-US" sz="1800" b="0" i="0" u="none" strike="noStrike" kern="1200" cap="none" spc="0" normalizeH="0" baseline="0" noProof="0" dirty="0">
+                        <a:ln>
+                          <a:noFill/>
+                        </a:ln>
+                        <a:solidFill>
+                          <a:prstClr val="black"/>
+                        </a:solidFill>
+                        <a:effectLst/>
+                        <a:uLnTx/>
+                        <a:uFillTx/>
+                        <a:latin typeface="맑은 고딕" panose="020F0502020204030204"/>
+                        <a:ea typeface="맑은 고딕" panose="020B0503020000020004" pitchFamily="50" charset="-127"/>
+                        <a:cs typeface="+mn-cs"/>
+                      </a:endParaRPr>
                     </a:p>
                   </a:txBody>
                   <a:tcPr/>
@@ -4230,8 +4324,54 @@
                     <a:bodyPr/>
                     <a:lstStyle/>
                     <a:p>
-                      <a:pPr latinLnBrk="1"/>
-                      <a:endParaRPr lang="ko-KR" altLang="en-US"/>
+                      <a:pPr marL="0" marR="0" lvl="0" indent="0" algn="l" defTabSz="914400" rtl="0" eaLnBrk="1" fontAlgn="auto" latinLnBrk="1" hangingPunct="1">
+                        <a:lnSpc>
+                          <a:spcPct val="100000"/>
+                        </a:lnSpc>
+                        <a:spcBef>
+                          <a:spcPts val="0"/>
+                        </a:spcBef>
+                        <a:spcAft>
+                          <a:spcPts val="0"/>
+                        </a:spcAft>
+                        <a:buClrTx/>
+                        <a:buSzTx/>
+                        <a:buFontTx/>
+                        <a:buNone/>
+                        <a:tabLst/>
+                        <a:defRPr/>
+                      </a:pPr>
+                      <a:r>
+                        <a:rPr kumimoji="0" lang="en-US" altLang="ko-KR" sz="1600" b="0" i="0" u="none" strike="noStrike" kern="1200" cap="none" spc="0" normalizeH="0" baseline="0" noProof="0">
+                          <a:ln>
+                            <a:noFill/>
+                          </a:ln>
+                          <a:solidFill>
+                            <a:prstClr val="black"/>
+                          </a:solidFill>
+                          <a:effectLst/>
+                          <a:uLnTx/>
+                          <a:uFillTx/>
+                          <a:latin typeface="맑은 고딕" panose="020F0502020204030204"/>
+                          <a:ea typeface="맑은 고딕" panose="020B0503020000020004" pitchFamily="50" charset="-127"/>
+                          <a:cs typeface="+mn-cs"/>
+                        </a:rPr>
+                        <a:t>100,000</a:t>
+                      </a:r>
+                      <a:endParaRPr kumimoji="0" lang="ko-KR" altLang="en-US" sz="1600" b="0" i="0" u="none" strike="noStrike" kern="1200" cap="none" spc="0" normalizeH="0" baseline="0" noProof="0" dirty="0">
+                        <a:ln>
+                          <a:noFill/>
+                        </a:ln>
+                        <a:solidFill>
+                          <a:prstClr val="black"/>
+                        </a:solidFill>
+                        <a:effectLst/>
+                        <a:uLnTx/>
+                        <a:uFillTx/>
+                        <a:latin typeface="맑은 고딕" panose="020F0502020204030204"/>
+                        <a:ea typeface="맑은 고딕" panose="020B0503020000020004" pitchFamily="50" charset="-127"/>
+                        <a:cs typeface="+mn-cs"/>
+                      </a:endParaRPr>
                     </a:p>
                   </a:txBody>
                   <a:tcPr/>
@@ -4271,7 +4411,62 @@
                     <a:lstStyle/>
                     <a:p>
                       <a:pPr latinLnBrk="1"/>
-                      <a:endParaRPr lang="ko-KR" altLang="en-US"/>
+                      <a:r>
+                        <a:rPr lang="ko-KR" altLang="en-US" sz="1600" dirty="0">
+                          <a:solidFill>
+                            <a:schemeClr val="tx1"/>
+                          </a:solidFill>
+                        </a:rPr>
+                        <a:t>거래처 </a:t>
+                      </a:r>
+                      <a:r>
+                        <a:rPr lang="en-US" altLang="ko-KR" sz="1600" dirty="0">
+                          <a:solidFill>
+                            <a:schemeClr val="tx1"/>
+                          </a:solidFill>
+                        </a:rPr>
+                        <a:t>B</a:t>
+                      </a:r>
+                      <a:endParaRPr lang="ko-KR" altLang="en-US" sz="1600" dirty="0">
+                        <a:solidFill>
+                          <a:schemeClr val="tx1"/>
+                        </a:solidFill>
+                      </a:endParaRPr>
+                    </a:p>
+                  </a:txBody>
+                  <a:tcPr/>
+                </a:tc>
+                <a:tc>
+                  <a:txBody>
+                    <a:bodyPr/>
+                    <a:lstStyle/>
+                    <a:p>
+                      <a:pPr marL="0" marR="0" lvl="0" indent="0" algn="l" defTabSz="914400" rtl="0" eaLnBrk="1" fontAlgn="auto" latinLnBrk="1" hangingPunct="1">
+                        <a:lnSpc>
+                          <a:spcPct val="100000"/>
+                        </a:lnSpc>
+                        <a:spcBef>
+                          <a:spcPts val="0"/>
+                        </a:spcBef>
+                        <a:spcAft>
+                          <a:spcPts val="0"/>
+                        </a:spcAft>
+                        <a:buClrTx/>
+                        <a:buSzTx/>
+                        <a:buFontTx/>
+                        <a:buNone/>
+                        <a:tabLst/>
+                        <a:defRPr/>
+                      </a:pPr>
+                      <a:r>
+                        <a:rPr lang="en-US" altLang="ko-KR" sz="1200" dirty="0"/>
+                        <a:t>AD217002</a:t>
+                      </a:r>
+                      <a:endParaRPr lang="ko-KR" altLang="en-US" sz="1200" dirty="0">
+                        <a:highlight>
+                          <a:srgbClr val="FFFF00"/>
+                        </a:highlight>
+                      </a:endParaRPr>
                     </a:p>
                   </a:txBody>
                   <a:tcPr/>
@@ -4282,7 +4477,15 @@
                     <a:lstStyle/>
                     <a:p>
                       <a:pPr latinLnBrk="1"/>
-                      <a:endParaRPr lang="ko-KR" altLang="en-US"/>
+                      <a:r>
+                        <a:rPr lang="ko-KR" altLang="en-US" u="sng" dirty="0"/>
+                        <a:t>품목</a:t>
+                      </a:r>
+                      <a:r>
+                        <a:rPr lang="en-US" altLang="ko-KR" u="sng" dirty="0"/>
+                        <a:t>B</a:t>
+                      </a:r>
+                      <a:endParaRPr lang="ko-KR" altLang="en-US" u="sng" dirty="0"/>
                     </a:p>
                   </a:txBody>
                   <a:tcPr/>
@@ -4293,7 +4496,10 @@
                     <a:lstStyle/>
                     <a:p>
                       <a:pPr latinLnBrk="1"/>
-                      <a:endParaRPr lang="ko-KR" altLang="en-US"/>
+                      <a:r>
+                        <a:rPr lang="ko-KR" altLang="en-US" sz="1600" dirty="0"/>
+                        <a:t>자동차</a:t>
+                      </a:r>
                     </a:p>
                   </a:txBody>
                   <a:tcPr/>
@@ -4303,8 +4509,54 @@
                     <a:bodyPr/>
                     <a:lstStyle/>
                     <a:p>
-                      <a:pPr latinLnBrk="1"/>
-                      <a:endParaRPr lang="ko-KR" altLang="en-US"/>
+                      <a:pPr marL="0" marR="0" lvl="0" indent="0" algn="l" defTabSz="914400" rtl="0" eaLnBrk="1" fontAlgn="auto" latinLnBrk="1" hangingPunct="1">
+                        <a:lnSpc>
+                          <a:spcPct val="100000"/>
+                        </a:lnSpc>
+                        <a:spcBef>
+                          <a:spcPts val="0"/>
+                        </a:spcBef>
+                        <a:spcAft>
+                          <a:spcPts val="0"/>
+                        </a:spcAft>
+                        <a:buClrTx/>
+                        <a:buSzTx/>
+                        <a:buFontTx/>
+                        <a:buNone/>
+                        <a:tabLst/>
+                        <a:defRPr/>
+                      </a:pPr>
+                      <a:r>
+                        <a:rPr kumimoji="0" lang="ko-KR" altLang="en-US" sz="1800" b="0" i="0" u="none" strike="noStrike" kern="1200" cap="none" spc="0" normalizeH="0" baseline="0" noProof="0">
+                          <a:ln>
+                            <a:noFill/>
+                          </a:ln>
+                          <a:solidFill>
+                            <a:prstClr val="black"/>
+                          </a:solidFill>
+                          <a:effectLst/>
+                          <a:uLnTx/>
+                          <a:uFillTx/>
+                          <a:latin typeface="맑은 고딕" panose="020F0502020204030204"/>
+                          <a:ea typeface="맑은 고딕" panose="020B0503020000020004" pitchFamily="50" charset="-127"/>
+                          <a:cs typeface="+mn-cs"/>
+                        </a:rPr>
+                        <a:t>분체</a:t>
+                      </a:r>
+                      <a:endParaRPr kumimoji="0" lang="ko-KR" altLang="en-US" sz="1800" b="0" i="0" u="none" strike="noStrike" kern="1200" cap="none" spc="0" normalizeH="0" baseline="0" noProof="0" dirty="0">
+                        <a:ln>
+                          <a:noFill/>
+                        </a:ln>
+                        <a:solidFill>
+                          <a:prstClr val="black"/>
+                        </a:solidFill>
+                        <a:effectLst/>
+                        <a:uLnTx/>
+                        <a:uFillTx/>
+                        <a:latin typeface="맑은 고딕" panose="020F0502020204030204"/>
+                        <a:ea typeface="맑은 고딕" panose="020B0503020000020004" pitchFamily="50" charset="-127"/>
+                        <a:cs typeface="+mn-cs"/>
+                      </a:endParaRPr>
                     </a:p>
                   </a:txBody>
                   <a:tcPr/>
@@ -4314,19 +4566,54 @@
                     <a:bodyPr/>
                     <a:lstStyle/>
                     <a:p>
-                      <a:pPr latinLnBrk="1"/>
-                      <a:endParaRPr lang="ko-KR" altLang="en-US"/>
-                    </a:p>
-                  </a:txBody>
-                  <a:tcPr/>
-                </a:tc>
-                <a:tc>
-                  <a:txBody>
-                    <a:bodyPr/>
-                    <a:lstStyle/>
-                    <a:p>
-                      <a:pPr latinLnBrk="1"/>
-                      <a:endParaRPr lang="ko-KR" altLang="en-US"/>
+                      <a:pPr marL="0" marR="0" lvl="0" indent="0" algn="l" defTabSz="914400" rtl="0" eaLnBrk="1" fontAlgn="auto" latinLnBrk="1" hangingPunct="1">
+                        <a:lnSpc>
+                          <a:spcPct val="100000"/>
+                        </a:lnSpc>
+                        <a:spcBef>
+                          <a:spcPts val="0"/>
+                        </a:spcBef>
+                        <a:spcAft>
+                          <a:spcPts val="0"/>
+                        </a:spcAft>
+                        <a:buClrTx/>
+                        <a:buSzTx/>
+                        <a:buFontTx/>
+                        <a:buNone/>
+                        <a:tabLst/>
+                        <a:defRPr/>
+                      </a:pPr>
+                      <a:r>
+                        <a:rPr kumimoji="0" lang="en-US" altLang="ko-KR" sz="1600" b="0" i="0" u="none" strike="noStrike" kern="1200" cap="none" spc="0" normalizeH="0" baseline="0" noProof="0" dirty="0">
+                          <a:ln>
+                            <a:noFill/>
+                          </a:ln>
+                          <a:solidFill>
+                            <a:prstClr val="black"/>
+                          </a:solidFill>
+                          <a:effectLst/>
+                          <a:uLnTx/>
+                          <a:uFillTx/>
+                          <a:latin typeface="맑은 고딕" panose="020F0502020204030204"/>
+                          <a:ea typeface="맑은 고딕" panose="020B0503020000020004" pitchFamily="50" charset="-127"/>
+                          <a:cs typeface="+mn-cs"/>
+                        </a:rPr>
+                        <a:t>150,000</a:t>
+                      </a:r>
+                      <a:endParaRPr kumimoji="0" lang="ko-KR" altLang="en-US" sz="1600" b="0" i="0" u="none" strike="noStrike" kern="1200" cap="none" spc="0" normalizeH="0" baseline="0" noProof="0" dirty="0">
+                        <a:ln>
+                          <a:noFill/>
+                        </a:ln>
+                        <a:solidFill>
+                          <a:prstClr val="black"/>
+                        </a:solidFill>
+                        <a:effectLst/>
+                        <a:uLnTx/>
+                        <a:uFillTx/>
+                        <a:latin typeface="맑은 고딕" panose="020F0502020204030204"/>
+                        <a:ea typeface="맑은 고딕" panose="020B0503020000020004" pitchFamily="50" charset="-127"/>
+                        <a:cs typeface="+mn-cs"/>
+                      </a:endParaRPr>
                     </a:p>
                   </a:txBody>
                   <a:tcPr/>
@@ -4365,8 +4652,114 @@
                     <a:bodyPr/>
                     <a:lstStyle/>
                     <a:p>
-                      <a:pPr latinLnBrk="1"/>
-                      <a:endParaRPr lang="ko-KR" altLang="en-US"/>
+                      <a:pPr marL="0" marR="0" lvl="0" indent="0" algn="l" defTabSz="914400" rtl="0" eaLnBrk="1" fontAlgn="auto" latinLnBrk="1" hangingPunct="1">
+                        <a:lnSpc>
+                          <a:spcPct val="100000"/>
+                        </a:lnSpc>
+                        <a:spcBef>
+                          <a:spcPts val="0"/>
+                        </a:spcBef>
+                        <a:spcAft>
+                          <a:spcPts val="0"/>
+                        </a:spcAft>
+                        <a:buClrTx/>
+                        <a:buSzTx/>
+                        <a:buFontTx/>
+                        <a:buNone/>
+                        <a:tabLst/>
+                        <a:defRPr/>
+                      </a:pPr>
+                      <a:r>
+                        <a:rPr lang="ko-KR" altLang="en-US" sz="1600" dirty="0">
+                          <a:solidFill>
+                            <a:schemeClr val="tx1"/>
+                          </a:solidFill>
+                        </a:rPr>
+                        <a:t>거래처 </a:t>
+                      </a:r>
+                      <a:r>
+                        <a:rPr lang="en-US" altLang="ko-KR" sz="1600" dirty="0">
+                          <a:solidFill>
+                            <a:schemeClr val="tx1"/>
+                          </a:solidFill>
+                        </a:rPr>
+                        <a:t>C</a:t>
+                      </a:r>
+                      <a:endParaRPr lang="ko-KR" altLang="en-US" sz="1600" dirty="0">
+                        <a:solidFill>
+                          <a:schemeClr val="tx1"/>
+                        </a:solidFill>
+                      </a:endParaRPr>
+                    </a:p>
+                  </a:txBody>
+                  <a:tcPr/>
+                </a:tc>
+                <a:tc>
+                  <a:txBody>
+                    <a:bodyPr/>
+                    <a:lstStyle/>
+                    <a:p>
+                      <a:pPr marL="0" marR="0" lvl="0" indent="0" algn="l" defTabSz="914400" rtl="0" eaLnBrk="1" fontAlgn="auto" latinLnBrk="1" hangingPunct="1">
+                        <a:lnSpc>
+                          <a:spcPct val="100000"/>
+                        </a:lnSpc>
+                        <a:spcBef>
+                          <a:spcPts val="0"/>
+                        </a:spcBef>
+                        <a:spcAft>
+                          <a:spcPts val="0"/>
+                        </a:spcAft>
+                        <a:buClrTx/>
+                        <a:buSzTx/>
+                        <a:buFontTx/>
+                        <a:buNone/>
+                        <a:tabLst/>
+                        <a:defRPr/>
+                      </a:pPr>
+                      <a:r>
+                        <a:rPr lang="en-US" altLang="ko-KR" sz="1200" dirty="0"/>
+                        <a:t>AD217005</a:t>
+                      </a:r>
+                      <a:endParaRPr lang="ko-KR" altLang="en-US" sz="1200" dirty="0">
+                        <a:highlight>
+                          <a:srgbClr val="FFFF00"/>
+                        </a:highlight>
+                      </a:endParaRPr>
+                    </a:p>
+                  </a:txBody>
+                  <a:tcPr/>
+                </a:tc>
+                <a:tc>
+                  <a:txBody>
+                    <a:bodyPr/>
+                    <a:lstStyle/>
+                    <a:p>
+                      <a:pPr marL="0" marR="0" lvl="0" indent="0" algn="l" defTabSz="914400" rtl="0" eaLnBrk="1" fontAlgn="auto" latinLnBrk="1" hangingPunct="1">
+                        <a:lnSpc>
+                          <a:spcPct val="100000"/>
+                        </a:lnSpc>
+                        <a:spcBef>
+                          <a:spcPts val="0"/>
+                        </a:spcBef>
+                        <a:spcAft>
+                          <a:spcPts val="0"/>
+                        </a:spcAft>
+                        <a:buClrTx/>
+                        <a:buSzTx/>
+                        <a:buFontTx/>
+                        <a:buNone/>
+                        <a:tabLst/>
+                        <a:defRPr/>
+                      </a:pPr>
+                      <a:r>
+                        <a:rPr lang="ko-KR" altLang="en-US" u="sng" dirty="0"/>
+                        <a:t>품목</a:t>
+                      </a:r>
+                      <a:r>
+                        <a:rPr lang="en-US" altLang="ko-KR" u="sng" dirty="0"/>
+                        <a:t>C</a:t>
+                      </a:r>
+                      <a:endParaRPr lang="ko-KR" altLang="en-US" u="sng" dirty="0"/>
                     </a:p>
                   </a:txBody>
                   <a:tcPr/>
@@ -4377,7 +4770,10 @@
                     <a:lstStyle/>
                     <a:p>
                       <a:pPr latinLnBrk="1"/>
-                      <a:endParaRPr lang="ko-KR" altLang="en-US"/>
+                      <a:r>
+                        <a:rPr lang="ko-KR" altLang="en-US" sz="1600" dirty="0"/>
+                        <a:t>조선</a:t>
+                      </a:r>
                     </a:p>
                   </a:txBody>
                   <a:tcPr/>
@@ -4387,8 +4783,40 @@
                     <a:bodyPr/>
                     <a:lstStyle/>
                     <a:p>
-                      <a:pPr latinLnBrk="1"/>
-                      <a:endParaRPr lang="ko-KR" altLang="en-US"/>
+                      <a:pPr marL="0" marR="0" lvl="0" indent="0" algn="l" defTabSz="914400" rtl="0" eaLnBrk="1" fontAlgn="auto" latinLnBrk="1" hangingPunct="1">
+                        <a:lnSpc>
+                          <a:spcPct val="100000"/>
+                        </a:lnSpc>
+                        <a:spcBef>
+                          <a:spcPts val="0"/>
+                        </a:spcBef>
+                        <a:spcAft>
+                          <a:spcPts val="0"/>
+                        </a:spcAft>
+                        <a:buClrTx/>
+                        <a:buSzTx/>
+                        <a:buFontTx/>
+                        <a:buNone/>
+                        <a:tabLst/>
+                        <a:defRPr/>
+                      </a:pPr>
+                      <a:r>
+                        <a:rPr kumimoji="0" lang="ko-KR" altLang="en-US" sz="1800" b="0" i="0" u="none" strike="noStrike" kern="1200" cap="none" spc="0" normalizeH="0" baseline="0" noProof="0" dirty="0">
+                          <a:ln>
+                            <a:noFill/>
+                          </a:ln>
+                          <a:solidFill>
+                            <a:prstClr val="black"/>
+                          </a:solidFill>
+                          <a:effectLst/>
+                          <a:uLnTx/>
+                          <a:uFillTx/>
+                          <a:latin typeface="맑은 고딕" panose="020F0502020204030204"/>
+                          <a:ea typeface="맑은 고딕" panose="020B0503020000020004" pitchFamily="50" charset="-127"/>
+                          <a:cs typeface="+mn-cs"/>
+                        </a:rPr>
+                        <a:t>분체</a:t>
+                      </a:r>
                     </a:p>
                   </a:txBody>
                   <a:tcPr/>
@@ -4398,30 +4826,54 @@
                     <a:bodyPr/>
                     <a:lstStyle/>
                     <a:p>
-                      <a:pPr latinLnBrk="1"/>
-                      <a:endParaRPr lang="ko-KR" altLang="en-US"/>
-                    </a:p>
-                  </a:txBody>
-                  <a:tcPr/>
-                </a:tc>
-                <a:tc>
-                  <a:txBody>
-                    <a:bodyPr/>
-                    <a:lstStyle/>
-                    <a:p>
-                      <a:pPr latinLnBrk="1"/>
-                      <a:endParaRPr lang="ko-KR" altLang="en-US"/>
-                    </a:p>
-                  </a:txBody>
-                  <a:tcPr/>
-                </a:tc>
-                <a:tc>
-                  <a:txBody>
-                    <a:bodyPr/>
-                    <a:lstStyle/>
-                    <a:p>
-                      <a:pPr latinLnBrk="1"/>
-                      <a:endParaRPr lang="ko-KR" altLang="en-US"/>
+                      <a:pPr marL="0" marR="0" lvl="0" indent="0" algn="l" defTabSz="914400" rtl="0" eaLnBrk="1" fontAlgn="auto" latinLnBrk="1" hangingPunct="1">
+                        <a:lnSpc>
+                          <a:spcPct val="100000"/>
+                        </a:lnSpc>
+                        <a:spcBef>
+                          <a:spcPts val="0"/>
+                        </a:spcBef>
+                        <a:spcAft>
+                          <a:spcPts val="0"/>
+                        </a:spcAft>
+                        <a:buClrTx/>
+                        <a:buSzTx/>
+                        <a:buFontTx/>
+                        <a:buNone/>
+                        <a:tabLst/>
+                        <a:defRPr/>
+                      </a:pPr>
+                      <a:r>
+                        <a:rPr kumimoji="0" lang="en-US" altLang="ko-KR" sz="1600" b="0" i="0" u="none" strike="noStrike" kern="1200" cap="none" spc="0" normalizeH="0" baseline="0" noProof="0" dirty="0">
+                          <a:ln>
+                            <a:noFill/>
+                          </a:ln>
+                          <a:solidFill>
+                            <a:prstClr val="black"/>
+                          </a:solidFill>
+                          <a:effectLst/>
+                          <a:uLnTx/>
+                          <a:uFillTx/>
+                          <a:latin typeface="맑은 고딕" panose="020F0502020204030204"/>
+                          <a:ea typeface="맑은 고딕" panose="020B0503020000020004" pitchFamily="50" charset="-127"/>
+                          <a:cs typeface="+mn-cs"/>
+                        </a:rPr>
+                        <a:t>100,000</a:t>
+                      </a:r>
+                      <a:endParaRPr kumimoji="0" lang="ko-KR" altLang="en-US" sz="1600" b="0" i="0" u="none" strike="noStrike" kern="1200" cap="none" spc="0" normalizeH="0" baseline="0" noProof="0" dirty="0">
+                        <a:ln>
+                          <a:noFill/>
+                        </a:ln>
+                        <a:solidFill>
+                          <a:prstClr val="black"/>
+                        </a:solidFill>
+                        <a:effectLst/>
+                        <a:uLnTx/>
+                        <a:uFillTx/>
+                        <a:latin typeface="맑은 고딕" panose="020F0502020204030204"/>
+                        <a:ea typeface="맑은 고딕" panose="020B0503020000020004" pitchFamily="50" charset="-127"/>
+                        <a:cs typeface="+mn-cs"/>
+                      </a:endParaRPr>
                     </a:p>
                   </a:txBody>
                   <a:tcPr/>
@@ -4460,8 +4912,114 @@
                     <a:bodyPr/>
                     <a:lstStyle/>
                     <a:p>
-                      <a:pPr latinLnBrk="1"/>
-                      <a:endParaRPr lang="ko-KR" altLang="en-US"/>
+                      <a:pPr marL="0" marR="0" lvl="0" indent="0" algn="l" defTabSz="914400" rtl="0" eaLnBrk="1" fontAlgn="auto" latinLnBrk="1" hangingPunct="1">
+                        <a:lnSpc>
+                          <a:spcPct val="100000"/>
+                        </a:lnSpc>
+                        <a:spcBef>
+                          <a:spcPts val="0"/>
+                        </a:spcBef>
+                        <a:spcAft>
+                          <a:spcPts val="0"/>
+                        </a:spcAft>
+                        <a:buClrTx/>
+                        <a:buSzTx/>
+                        <a:buFontTx/>
+                        <a:buNone/>
+                        <a:tabLst/>
+                        <a:defRPr/>
+                      </a:pPr>
+                      <a:r>
+                        <a:rPr lang="ko-KR" altLang="en-US" sz="1600" dirty="0">
+                          <a:solidFill>
+                            <a:schemeClr val="tx1"/>
+                          </a:solidFill>
+                        </a:rPr>
+                        <a:t>거래처 </a:t>
+                      </a:r>
+                      <a:r>
+                        <a:rPr lang="en-US" altLang="ko-KR" sz="1600" dirty="0">
+                          <a:solidFill>
+                            <a:schemeClr val="tx1"/>
+                          </a:solidFill>
+                        </a:rPr>
+                        <a:t>D</a:t>
+                      </a:r>
+                      <a:endParaRPr lang="ko-KR" altLang="en-US" sz="1600" dirty="0">
+                        <a:solidFill>
+                          <a:schemeClr val="tx1"/>
+                        </a:solidFill>
+                      </a:endParaRPr>
+                    </a:p>
+                  </a:txBody>
+                  <a:tcPr/>
+                </a:tc>
+                <a:tc>
+                  <a:txBody>
+                    <a:bodyPr/>
+                    <a:lstStyle/>
+                    <a:p>
+                      <a:pPr marL="0" marR="0" lvl="0" indent="0" algn="l" defTabSz="914400" rtl="0" eaLnBrk="1" fontAlgn="auto" latinLnBrk="1" hangingPunct="1">
+                        <a:lnSpc>
+                          <a:spcPct val="100000"/>
+                        </a:lnSpc>
+                        <a:spcBef>
+                          <a:spcPts val="0"/>
+                        </a:spcBef>
+                        <a:spcAft>
+                          <a:spcPts val="0"/>
+                        </a:spcAft>
+                        <a:buClrTx/>
+                        <a:buSzTx/>
+                        <a:buFontTx/>
+                        <a:buNone/>
+                        <a:tabLst/>
+                        <a:defRPr/>
+                      </a:pPr>
+                      <a:r>
+                        <a:rPr lang="en-US" altLang="ko-KR" sz="1200" dirty="0"/>
+                        <a:t>AD217005</a:t>
+                      </a:r>
+                      <a:endParaRPr lang="ko-KR" altLang="en-US" sz="1200" dirty="0">
+                        <a:highlight>
+                          <a:srgbClr val="FFFF00"/>
+                        </a:highlight>
+                      </a:endParaRPr>
+                    </a:p>
+                  </a:txBody>
+                  <a:tcPr/>
+                </a:tc>
+                <a:tc>
+                  <a:txBody>
+                    <a:bodyPr/>
+                    <a:lstStyle/>
+                    <a:p>
+                      <a:pPr marL="0" marR="0" lvl="0" indent="0" algn="l" defTabSz="914400" rtl="0" eaLnBrk="1" fontAlgn="auto" latinLnBrk="1" hangingPunct="1">
+                        <a:lnSpc>
+                          <a:spcPct val="100000"/>
+                        </a:lnSpc>
+                        <a:spcBef>
+                          <a:spcPts val="0"/>
+                        </a:spcBef>
+                        <a:spcAft>
+                          <a:spcPts val="0"/>
+                        </a:spcAft>
+                        <a:buClrTx/>
+                        <a:buSzTx/>
+                        <a:buFontTx/>
+                        <a:buNone/>
+                        <a:tabLst/>
+                        <a:defRPr/>
+                      </a:pPr>
+                      <a:r>
+                        <a:rPr lang="ko-KR" altLang="en-US" u="sng" dirty="0"/>
+                        <a:t>품목</a:t>
+                      </a:r>
+                      <a:r>
+                        <a:rPr lang="en-US" altLang="ko-KR" u="sng" dirty="0"/>
+                        <a:t>D</a:t>
+                      </a:r>
+                      <a:endParaRPr lang="ko-KR" altLang="en-US" u="sng" dirty="0"/>
                     </a:p>
                   </a:txBody>
                   <a:tcPr/>
@@ -4472,7 +5030,10 @@
                     <a:lstStyle/>
                     <a:p>
                       <a:pPr latinLnBrk="1"/>
-                      <a:endParaRPr lang="ko-KR" altLang="en-US"/>
+                      <a:r>
+                        <a:rPr lang="ko-KR" altLang="en-US" sz="1600" dirty="0"/>
+                        <a:t>방산</a:t>
+                      </a:r>
                     </a:p>
                   </a:txBody>
                   <a:tcPr/>
@@ -4482,8 +5043,40 @@
                     <a:bodyPr/>
                     <a:lstStyle/>
                     <a:p>
-                      <a:pPr latinLnBrk="1"/>
-                      <a:endParaRPr lang="ko-KR" altLang="en-US"/>
+                      <a:pPr marL="0" marR="0" lvl="0" indent="0" algn="l" defTabSz="914400" rtl="0" eaLnBrk="1" fontAlgn="auto" latinLnBrk="1" hangingPunct="1">
+                        <a:lnSpc>
+                          <a:spcPct val="100000"/>
+                        </a:lnSpc>
+                        <a:spcBef>
+                          <a:spcPts val="0"/>
+                        </a:spcBef>
+                        <a:spcAft>
+                          <a:spcPts val="0"/>
+                        </a:spcAft>
+                        <a:buClrTx/>
+                        <a:buSzTx/>
+                        <a:buFontTx/>
+                        <a:buNone/>
+                        <a:tabLst/>
+                        <a:defRPr/>
+                      </a:pPr>
+                      <a:r>
+                        <a:rPr kumimoji="0" lang="ko-KR" altLang="en-US" sz="1800" b="0" i="0" u="none" strike="noStrike" kern="1200" cap="none" spc="0" normalizeH="0" baseline="0" noProof="0" dirty="0">
+                          <a:ln>
+                            <a:noFill/>
+                          </a:ln>
+                          <a:solidFill>
+                            <a:prstClr val="black"/>
+                          </a:solidFill>
+                          <a:effectLst/>
+                          <a:uLnTx/>
+                          <a:uFillTx/>
+                          <a:latin typeface="맑은 고딕" panose="020F0502020204030204"/>
+                          <a:ea typeface="맑은 고딕" panose="020B0503020000020004" pitchFamily="50" charset="-127"/>
+                          <a:cs typeface="+mn-cs"/>
+                        </a:rPr>
+                        <a:t>액체</a:t>
+                      </a:r>
                     </a:p>
                   </a:txBody>
                   <a:tcPr/>
@@ -4493,30 +5086,54 @@
                     <a:bodyPr/>
                     <a:lstStyle/>
                     <a:p>
-                      <a:pPr latinLnBrk="1"/>
-                      <a:endParaRPr lang="ko-KR" altLang="en-US"/>
-                    </a:p>
-                  </a:txBody>
-                  <a:tcPr/>
-                </a:tc>
-                <a:tc>
-                  <a:txBody>
-                    <a:bodyPr/>
-                    <a:lstStyle/>
-                    <a:p>
-                      <a:pPr latinLnBrk="1"/>
-                      <a:endParaRPr lang="ko-KR" altLang="en-US"/>
-                    </a:p>
-                  </a:txBody>
-                  <a:tcPr/>
-                </a:tc>
-                <a:tc>
-                  <a:txBody>
-                    <a:bodyPr/>
-                    <a:lstStyle/>
-                    <a:p>
-                      <a:pPr latinLnBrk="1"/>
-                      <a:endParaRPr lang="ko-KR" altLang="en-US"/>
+                      <a:pPr marL="0" marR="0" lvl="0" indent="0" algn="l" defTabSz="914400" rtl="0" eaLnBrk="1" fontAlgn="auto" latinLnBrk="1" hangingPunct="1">
+                        <a:lnSpc>
+                          <a:spcPct val="100000"/>
+                        </a:lnSpc>
+                        <a:spcBef>
+                          <a:spcPts val="0"/>
+                        </a:spcBef>
+                        <a:spcAft>
+                          <a:spcPts val="0"/>
+                        </a:spcAft>
+                        <a:buClrTx/>
+                        <a:buSzTx/>
+                        <a:buFontTx/>
+                        <a:buNone/>
+                        <a:tabLst/>
+                        <a:defRPr/>
+                      </a:pPr>
+                      <a:r>
+                        <a:rPr kumimoji="0" lang="en-US" altLang="ko-KR" sz="1600" b="0" i="0" u="none" strike="noStrike" kern="1200" cap="none" spc="0" normalizeH="0" baseline="0" noProof="0" dirty="0">
+                          <a:ln>
+                            <a:noFill/>
+                          </a:ln>
+                          <a:solidFill>
+                            <a:prstClr val="black"/>
+                          </a:solidFill>
+                          <a:effectLst/>
+                          <a:uLnTx/>
+                          <a:uFillTx/>
+                          <a:latin typeface="맑은 고딕" panose="020F0502020204030204"/>
+                          <a:ea typeface="맑은 고딕" panose="020B0503020000020004" pitchFamily="50" charset="-127"/>
+                          <a:cs typeface="+mn-cs"/>
+                        </a:rPr>
+                        <a:t>50,000</a:t>
+                      </a:r>
+                      <a:endParaRPr kumimoji="0" lang="ko-KR" altLang="en-US" sz="1600" b="0" i="0" u="none" strike="noStrike" kern="1200" cap="none" spc="0" normalizeH="0" baseline="0" noProof="0" dirty="0">
+                        <a:ln>
+                          <a:noFill/>
+                        </a:ln>
+                        <a:solidFill>
+                          <a:prstClr val="black"/>
+                        </a:solidFill>
+                        <a:effectLst/>
+                        <a:uLnTx/>
+                        <a:uFillTx/>
+                        <a:latin typeface="맑은 고딕" panose="020F0502020204030204"/>
+                        <a:ea typeface="맑은 고딕" panose="020B0503020000020004" pitchFamily="50" charset="-127"/>
+                        <a:cs typeface="+mn-cs"/>
+                      </a:endParaRPr>
                     </a:p>
                   </a:txBody>
                   <a:tcPr/>
@@ -4555,8 +5172,114 @@
                     <a:bodyPr/>
                     <a:lstStyle/>
                     <a:p>
-                      <a:pPr latinLnBrk="1"/>
-                      <a:endParaRPr lang="ko-KR" altLang="en-US" b="1"/>
+                      <a:pPr marL="0" marR="0" lvl="0" indent="0" algn="l" defTabSz="914400" rtl="0" eaLnBrk="1" fontAlgn="auto" latinLnBrk="1" hangingPunct="1">
+                        <a:lnSpc>
+                          <a:spcPct val="100000"/>
+                        </a:lnSpc>
+                        <a:spcBef>
+                          <a:spcPts val="0"/>
+                        </a:spcBef>
+                        <a:spcAft>
+                          <a:spcPts val="0"/>
+                        </a:spcAft>
+                        <a:buClrTx/>
+                        <a:buSzTx/>
+                        <a:buFontTx/>
+                        <a:buNone/>
+                        <a:tabLst/>
+                        <a:defRPr/>
+                      </a:pPr>
+                      <a:r>
+                        <a:rPr lang="ko-KR" altLang="en-US" sz="1600" dirty="0">
+                          <a:solidFill>
+                            <a:schemeClr val="tx1"/>
+                          </a:solidFill>
+                        </a:rPr>
+                        <a:t>거래처 </a:t>
+                      </a:r>
+                      <a:r>
+                        <a:rPr lang="en-US" altLang="ko-KR" sz="1600" dirty="0">
+                          <a:solidFill>
+                            <a:schemeClr val="tx1"/>
+                          </a:solidFill>
+                        </a:rPr>
+                        <a:t>D</a:t>
+                      </a:r>
+                      <a:endParaRPr lang="ko-KR" altLang="en-US" sz="1600" dirty="0">
+                        <a:solidFill>
+                          <a:schemeClr val="tx1"/>
+                        </a:solidFill>
+                      </a:endParaRPr>
+                    </a:p>
+                  </a:txBody>
+                  <a:tcPr/>
+                </a:tc>
+                <a:tc>
+                  <a:txBody>
+                    <a:bodyPr/>
+                    <a:lstStyle/>
+                    <a:p>
+                      <a:pPr marL="0" marR="0" lvl="0" indent="0" algn="l" defTabSz="914400" rtl="0" eaLnBrk="1" fontAlgn="auto" latinLnBrk="1" hangingPunct="1">
+                        <a:lnSpc>
+                          <a:spcPct val="100000"/>
+                        </a:lnSpc>
+                        <a:spcBef>
+                          <a:spcPts val="0"/>
+                        </a:spcBef>
+                        <a:spcAft>
+                          <a:spcPts val="0"/>
+                        </a:spcAft>
+                        <a:buClrTx/>
+                        <a:buSzTx/>
+                        <a:buFontTx/>
+                        <a:buNone/>
+                        <a:tabLst/>
+                        <a:defRPr/>
+                      </a:pPr>
+                      <a:r>
+                        <a:rPr lang="en-US" altLang="ko-KR" sz="1200" dirty="0"/>
+                        <a:t>AD217005</a:t>
+                      </a:r>
+                      <a:endParaRPr lang="ko-KR" altLang="en-US" sz="1200" dirty="0">
+                        <a:highlight>
+                          <a:srgbClr val="FFFF00"/>
+                        </a:highlight>
+                      </a:endParaRPr>
+                    </a:p>
+                  </a:txBody>
+                  <a:tcPr/>
+                </a:tc>
+                <a:tc>
+                  <a:txBody>
+                    <a:bodyPr/>
+                    <a:lstStyle/>
+                    <a:p>
+                      <a:pPr marL="0" marR="0" lvl="0" indent="0" algn="l" defTabSz="914400" rtl="0" eaLnBrk="1" fontAlgn="auto" latinLnBrk="1" hangingPunct="1">
+                        <a:lnSpc>
+                          <a:spcPct val="100000"/>
+                        </a:lnSpc>
+                        <a:spcBef>
+                          <a:spcPts val="0"/>
+                        </a:spcBef>
+                        <a:spcAft>
+                          <a:spcPts val="0"/>
+                        </a:spcAft>
+                        <a:buClrTx/>
+                        <a:buSzTx/>
+                        <a:buFontTx/>
+                        <a:buNone/>
+                        <a:tabLst/>
+                        <a:defRPr/>
+                      </a:pPr>
+                      <a:r>
+                        <a:rPr lang="ko-KR" altLang="en-US" u="sng" dirty="0"/>
+                        <a:t>품목</a:t>
+                      </a:r>
+                      <a:r>
+                        <a:rPr lang="en-US" altLang="ko-KR" u="sng" dirty="0"/>
+                        <a:t>D</a:t>
+                      </a:r>
+                      <a:endParaRPr lang="ko-KR" altLang="en-US" u="sng" dirty="0"/>
                     </a:p>
                   </a:txBody>
                   <a:tcPr/>
@@ -4567,7 +5290,10 @@
                     <a:lstStyle/>
                     <a:p>
                       <a:pPr latinLnBrk="1"/>
-                      <a:endParaRPr lang="ko-KR" altLang="en-US"/>
+                      <a:r>
+                        <a:rPr lang="ko-KR" altLang="en-US" sz="1600" dirty="0"/>
+                        <a:t>자동차</a:t>
+                      </a:r>
                     </a:p>
                   </a:txBody>
                   <a:tcPr/>
@@ -4577,8 +5303,40 @@
                     <a:bodyPr/>
                     <a:lstStyle/>
                     <a:p>
-                      <a:pPr latinLnBrk="1"/>
-                      <a:endParaRPr lang="ko-KR" altLang="en-US"/>
+                      <a:pPr marL="0" marR="0" lvl="0" indent="0" algn="l" defTabSz="914400" rtl="0" eaLnBrk="1" fontAlgn="auto" latinLnBrk="1" hangingPunct="1">
+                        <a:lnSpc>
+                          <a:spcPct val="100000"/>
+                        </a:lnSpc>
+                        <a:spcBef>
+                          <a:spcPts val="0"/>
+                        </a:spcBef>
+                        <a:spcAft>
+                          <a:spcPts val="0"/>
+                        </a:spcAft>
+                        <a:buClrTx/>
+                        <a:buSzTx/>
+                        <a:buFontTx/>
+                        <a:buNone/>
+                        <a:tabLst/>
+                        <a:defRPr/>
+                      </a:pPr>
+                      <a:r>
+                        <a:rPr kumimoji="0" lang="ko-KR" altLang="en-US" sz="1800" b="0" i="0" u="none" strike="noStrike" kern="1200" cap="none" spc="0" normalizeH="0" baseline="0" noProof="0" dirty="0">
+                          <a:ln>
+                            <a:noFill/>
+                          </a:ln>
+                          <a:solidFill>
+                            <a:prstClr val="black"/>
+                          </a:solidFill>
+                          <a:effectLst/>
+                          <a:uLnTx/>
+                          <a:uFillTx/>
+                          <a:latin typeface="맑은 고딕" panose="020F0502020204030204"/>
+                          <a:ea typeface="맑은 고딕" panose="020B0503020000020004" pitchFamily="50" charset="-127"/>
+                          <a:cs typeface="+mn-cs"/>
+                        </a:rPr>
+                        <a:t>분체</a:t>
+                      </a:r>
                     </a:p>
                   </a:txBody>
                   <a:tcPr/>
@@ -4588,30 +5346,54 @@
                     <a:bodyPr/>
                     <a:lstStyle/>
                     <a:p>
-                      <a:pPr latinLnBrk="1"/>
-                      <a:endParaRPr lang="ko-KR" altLang="en-US"/>
-                    </a:p>
-                  </a:txBody>
-                  <a:tcPr/>
-                </a:tc>
-                <a:tc>
-                  <a:txBody>
-                    <a:bodyPr/>
-                    <a:lstStyle/>
-                    <a:p>
-                      <a:pPr latinLnBrk="1"/>
-                      <a:endParaRPr lang="ko-KR" altLang="en-US"/>
-                    </a:p>
-                  </a:txBody>
-                  <a:tcPr/>
-                </a:tc>
-                <a:tc>
-                  <a:txBody>
-                    <a:bodyPr/>
-                    <a:lstStyle/>
-                    <a:p>
-                      <a:pPr latinLnBrk="1"/>
-                      <a:endParaRPr lang="ko-KR" altLang="en-US"/>
+                      <a:pPr marL="0" marR="0" lvl="0" indent="0" algn="l" defTabSz="914400" rtl="0" eaLnBrk="1" fontAlgn="auto" latinLnBrk="1" hangingPunct="1">
+                        <a:lnSpc>
+                          <a:spcPct val="100000"/>
+                        </a:lnSpc>
+                        <a:spcBef>
+                          <a:spcPts val="0"/>
+                        </a:spcBef>
+                        <a:spcAft>
+                          <a:spcPts val="0"/>
+                        </a:spcAft>
+                        <a:buClrTx/>
+                        <a:buSzTx/>
+                        <a:buFontTx/>
+                        <a:buNone/>
+                        <a:tabLst/>
+                        <a:defRPr/>
+                      </a:pPr>
+                      <a:r>
+                        <a:rPr kumimoji="0" lang="en-US" altLang="ko-KR" sz="1600" b="0" i="0" u="none" strike="noStrike" kern="1200" cap="none" spc="0" normalizeH="0" baseline="0" noProof="0" dirty="0">
+                          <a:ln>
+                            <a:noFill/>
+                          </a:ln>
+                          <a:solidFill>
+                            <a:prstClr val="black"/>
+                          </a:solidFill>
+                          <a:effectLst/>
+                          <a:uLnTx/>
+                          <a:uFillTx/>
+                          <a:latin typeface="맑은 고딕" panose="020F0502020204030204"/>
+                          <a:ea typeface="맑은 고딕" panose="020B0503020000020004" pitchFamily="50" charset="-127"/>
+                          <a:cs typeface="+mn-cs"/>
+                        </a:rPr>
+                        <a:t>50,000</a:t>
+                      </a:r>
+                      <a:endParaRPr kumimoji="0" lang="ko-KR" altLang="en-US" sz="1600" b="0" i="0" u="none" strike="noStrike" kern="1200" cap="none" spc="0" normalizeH="0" baseline="0" noProof="0" dirty="0">
+                        <a:ln>
+                          <a:noFill/>
+                        </a:ln>
+                        <a:solidFill>
+                          <a:prstClr val="black"/>
+                        </a:solidFill>
+                        <a:effectLst/>
+                        <a:uLnTx/>
+                        <a:uFillTx/>
+                        <a:latin typeface="맑은 고딕" panose="020F0502020204030204"/>
+                        <a:ea typeface="맑은 고딕" panose="020B0503020000020004" pitchFamily="50" charset="-127"/>
+                        <a:cs typeface="+mn-cs"/>
+                      </a:endParaRPr>
                     </a:p>
                   </a:txBody>
                   <a:tcPr/>
@@ -4650,8 +5432,114 @@
                     <a:bodyPr/>
                     <a:lstStyle/>
                     <a:p>
-                      <a:pPr latinLnBrk="1"/>
-                      <a:endParaRPr lang="ko-KR" altLang="en-US" b="1"/>
+                      <a:pPr marL="0" marR="0" lvl="0" indent="0" algn="l" defTabSz="914400" rtl="0" eaLnBrk="1" fontAlgn="auto" latinLnBrk="1" hangingPunct="1">
+                        <a:lnSpc>
+                          <a:spcPct val="100000"/>
+                        </a:lnSpc>
+                        <a:spcBef>
+                          <a:spcPts val="0"/>
+                        </a:spcBef>
+                        <a:spcAft>
+                          <a:spcPts val="0"/>
+                        </a:spcAft>
+                        <a:buClrTx/>
+                        <a:buSzTx/>
+                        <a:buFontTx/>
+                        <a:buNone/>
+                        <a:tabLst/>
+                        <a:defRPr/>
+                      </a:pPr>
+                      <a:r>
+                        <a:rPr lang="ko-KR" altLang="en-US" sz="1600" dirty="0">
+                          <a:solidFill>
+                            <a:schemeClr val="tx1"/>
+                          </a:solidFill>
+                        </a:rPr>
+                        <a:t>거래처 </a:t>
+                      </a:r>
+                      <a:r>
+                        <a:rPr lang="en-US" altLang="ko-KR" sz="1600" dirty="0">
+                          <a:solidFill>
+                            <a:schemeClr val="tx1"/>
+                          </a:solidFill>
+                        </a:rPr>
+                        <a:t>E</a:t>
+                      </a:r>
+                      <a:endParaRPr lang="ko-KR" altLang="en-US" sz="1600" dirty="0">
+                        <a:solidFill>
+                          <a:schemeClr val="tx1"/>
+                        </a:solidFill>
+                      </a:endParaRPr>
+                    </a:p>
+                  </a:txBody>
+                  <a:tcPr/>
+                </a:tc>
+                <a:tc>
+                  <a:txBody>
+                    <a:bodyPr/>
+                    <a:lstStyle/>
+                    <a:p>
+                      <a:pPr marL="0" marR="0" lvl="0" indent="0" algn="l" defTabSz="914400" rtl="0" eaLnBrk="1" fontAlgn="auto" latinLnBrk="1" hangingPunct="1">
+                        <a:lnSpc>
+                          <a:spcPct val="100000"/>
+                        </a:lnSpc>
+                        <a:spcBef>
+                          <a:spcPts val="0"/>
+                        </a:spcBef>
+                        <a:spcAft>
+                          <a:spcPts val="0"/>
+                        </a:spcAft>
+                        <a:buClrTx/>
+                        <a:buSzTx/>
+                        <a:buFontTx/>
+                        <a:buNone/>
+                        <a:tabLst/>
+                        <a:defRPr/>
+                      </a:pPr>
+                      <a:r>
+                        <a:rPr lang="en-US" altLang="ko-KR" sz="1200" dirty="0"/>
+                        <a:t>AD217005</a:t>
+                      </a:r>
+                      <a:endParaRPr lang="ko-KR" altLang="en-US" sz="1200" dirty="0">
+                        <a:highlight>
+                          <a:srgbClr val="FFFF00"/>
+                        </a:highlight>
+                      </a:endParaRPr>
+                    </a:p>
+                  </a:txBody>
+                  <a:tcPr/>
+                </a:tc>
+                <a:tc>
+                  <a:txBody>
+                    <a:bodyPr/>
+                    <a:lstStyle/>
+                    <a:p>
+                      <a:pPr marL="0" marR="0" lvl="0" indent="0" algn="l" defTabSz="914400" rtl="0" eaLnBrk="1" fontAlgn="auto" latinLnBrk="1" hangingPunct="1">
+                        <a:lnSpc>
+                          <a:spcPct val="100000"/>
+                        </a:lnSpc>
+                        <a:spcBef>
+                          <a:spcPts val="0"/>
+                        </a:spcBef>
+                        <a:spcAft>
+                          <a:spcPts val="0"/>
+                        </a:spcAft>
+                        <a:buClrTx/>
+                        <a:buSzTx/>
+                        <a:buFontTx/>
+                        <a:buNone/>
+                        <a:tabLst/>
+                        <a:defRPr/>
+                      </a:pPr>
+                      <a:r>
+                        <a:rPr lang="ko-KR" altLang="en-US" u="sng" dirty="0"/>
+                        <a:t>품목</a:t>
+                      </a:r>
+                      <a:r>
+                        <a:rPr lang="en-US" altLang="ko-KR" u="sng" dirty="0"/>
+                        <a:t>E</a:t>
+                      </a:r>
+                      <a:endParaRPr lang="ko-KR" altLang="en-US" u="sng" dirty="0"/>
                     </a:p>
                   </a:txBody>
                   <a:tcPr/>
@@ -4662,7 +5550,10 @@
                     <a:lstStyle/>
                     <a:p>
                       <a:pPr latinLnBrk="1"/>
-                      <a:endParaRPr lang="ko-KR" altLang="en-US"/>
+                      <a:r>
+                        <a:rPr lang="ko-KR" altLang="en-US" sz="1600" dirty="0"/>
+                        <a:t>조선</a:t>
+                      </a:r>
                     </a:p>
                   </a:txBody>
                   <a:tcPr/>
@@ -4672,8 +5563,54 @@
                     <a:bodyPr/>
                     <a:lstStyle/>
                     <a:p>
-                      <a:pPr latinLnBrk="1"/>
-                      <a:endParaRPr lang="ko-KR" altLang="en-US"/>
+                      <a:pPr marL="0" marR="0" lvl="0" indent="0" algn="l" defTabSz="914400" rtl="0" eaLnBrk="1" fontAlgn="auto" latinLnBrk="1" hangingPunct="1">
+                        <a:lnSpc>
+                          <a:spcPct val="100000"/>
+                        </a:lnSpc>
+                        <a:spcBef>
+                          <a:spcPts val="0"/>
+                        </a:spcBef>
+                        <a:spcAft>
+                          <a:spcPts val="0"/>
+                        </a:spcAft>
+                        <a:buClrTx/>
+                        <a:buSzTx/>
+                        <a:buFontTx/>
+                        <a:buNone/>
+                        <a:tabLst/>
+                        <a:defRPr/>
+                      </a:pPr>
+                      <a:r>
+                        <a:rPr kumimoji="0" lang="ko-KR" altLang="en-US" sz="1800" b="0" i="0" u="none" strike="noStrike" kern="1200" cap="none" spc="0" normalizeH="0" baseline="0" noProof="0">
+                          <a:ln>
+                            <a:noFill/>
+                          </a:ln>
+                          <a:solidFill>
+                            <a:prstClr val="black"/>
+                          </a:solidFill>
+                          <a:effectLst/>
+                          <a:uLnTx/>
+                          <a:uFillTx/>
+                          <a:latin typeface="맑은 고딕" panose="020F0502020204030204"/>
+                          <a:ea typeface="맑은 고딕" panose="020B0503020000020004" pitchFamily="50" charset="-127"/>
+                          <a:cs typeface="+mn-cs"/>
+                        </a:rPr>
+                        <a:t>액체</a:t>
+                      </a:r>
+                      <a:endParaRPr kumimoji="0" lang="ko-KR" altLang="en-US" sz="1800" b="0" i="0" u="none" strike="noStrike" kern="1200" cap="none" spc="0" normalizeH="0" baseline="0" noProof="0" dirty="0">
+                        <a:ln>
+                          <a:noFill/>
+                        </a:ln>
+                        <a:solidFill>
+                          <a:prstClr val="black"/>
+                        </a:solidFill>
+                        <a:effectLst/>
+                        <a:uLnTx/>
+                        <a:uFillTx/>
+                        <a:latin typeface="맑은 고딕" panose="020F0502020204030204"/>
+                        <a:ea typeface="맑은 고딕" panose="020B0503020000020004" pitchFamily="50" charset="-127"/>
+                        <a:cs typeface="+mn-cs"/>
+                      </a:endParaRPr>
                     </a:p>
                   </a:txBody>
                   <a:tcPr/>
@@ -4683,30 +5620,54 @@
                     <a:bodyPr/>
                     <a:lstStyle/>
                     <a:p>
-                      <a:pPr latinLnBrk="1"/>
-                      <a:endParaRPr lang="ko-KR" altLang="en-US"/>
-                    </a:p>
-                  </a:txBody>
-                  <a:tcPr/>
-                </a:tc>
-                <a:tc>
-                  <a:txBody>
-                    <a:bodyPr/>
-                    <a:lstStyle/>
-                    <a:p>
-                      <a:pPr latinLnBrk="1"/>
-                      <a:endParaRPr lang="ko-KR" altLang="en-US"/>
-                    </a:p>
-                  </a:txBody>
-                  <a:tcPr/>
-                </a:tc>
-                <a:tc>
-                  <a:txBody>
-                    <a:bodyPr/>
-                    <a:lstStyle/>
-                    <a:p>
-                      <a:pPr latinLnBrk="1"/>
-                      <a:endParaRPr lang="ko-KR" altLang="en-US"/>
+                      <a:pPr marL="0" marR="0" lvl="0" indent="0" algn="l" defTabSz="914400" rtl="0" eaLnBrk="1" fontAlgn="auto" latinLnBrk="1" hangingPunct="1">
+                        <a:lnSpc>
+                          <a:spcPct val="100000"/>
+                        </a:lnSpc>
+                        <a:spcBef>
+                          <a:spcPts val="0"/>
+                        </a:spcBef>
+                        <a:spcAft>
+                          <a:spcPts val="0"/>
+                        </a:spcAft>
+                        <a:buClrTx/>
+                        <a:buSzTx/>
+                        <a:buFontTx/>
+                        <a:buNone/>
+                        <a:tabLst/>
+                        <a:defRPr/>
+                      </a:pPr>
+                      <a:r>
+                        <a:rPr kumimoji="0" lang="en-US" altLang="ko-KR" sz="1600" b="0" i="0" u="none" strike="noStrike" kern="1200" cap="none" spc="0" normalizeH="0" baseline="0" noProof="0" dirty="0">
+                          <a:ln>
+                            <a:noFill/>
+                          </a:ln>
+                          <a:solidFill>
+                            <a:prstClr val="black"/>
+                          </a:solidFill>
+                          <a:effectLst/>
+                          <a:uLnTx/>
+                          <a:uFillTx/>
+                          <a:latin typeface="맑은 고딕" panose="020F0502020204030204"/>
+                          <a:ea typeface="맑은 고딕" panose="020B0503020000020004" pitchFamily="50" charset="-127"/>
+                          <a:cs typeface="+mn-cs"/>
+                        </a:rPr>
+                        <a:t>200,000</a:t>
+                      </a:r>
+                      <a:endParaRPr kumimoji="0" lang="ko-KR" altLang="en-US" sz="1600" b="0" i="0" u="none" strike="noStrike" kern="1200" cap="none" spc="0" normalizeH="0" baseline="0" noProof="0" dirty="0">
+                        <a:ln>
+                          <a:noFill/>
+                        </a:ln>
+                        <a:solidFill>
+                          <a:prstClr val="black"/>
+                        </a:solidFill>
+                        <a:effectLst/>
+                        <a:uLnTx/>
+                        <a:uFillTx/>
+                        <a:latin typeface="맑은 고딕" panose="020F0502020204030204"/>
+                        <a:ea typeface="맑은 고딕" panose="020B0503020000020004" pitchFamily="50" charset="-127"/>
+                        <a:cs typeface="+mn-cs"/>
+                      </a:endParaRPr>
                     </a:p>
                   </a:txBody>
                   <a:tcPr/>
@@ -4745,8 +5706,114 @@
                     <a:bodyPr/>
                     <a:lstStyle/>
                     <a:p>
-                      <a:pPr latinLnBrk="1"/>
-                      <a:endParaRPr lang="ko-KR" altLang="en-US" b="1"/>
+                      <a:pPr marL="0" marR="0" lvl="0" indent="0" algn="l" defTabSz="914400" rtl="0" eaLnBrk="1" fontAlgn="auto" latinLnBrk="1" hangingPunct="1">
+                        <a:lnSpc>
+                          <a:spcPct val="100000"/>
+                        </a:lnSpc>
+                        <a:spcBef>
+                          <a:spcPts val="0"/>
+                        </a:spcBef>
+                        <a:spcAft>
+                          <a:spcPts val="0"/>
+                        </a:spcAft>
+                        <a:buClrTx/>
+                        <a:buSzTx/>
+                        <a:buFontTx/>
+                        <a:buNone/>
+                        <a:tabLst/>
+                        <a:defRPr/>
+                      </a:pPr>
+                      <a:r>
+                        <a:rPr lang="ko-KR" altLang="en-US" sz="1600" dirty="0">
+                          <a:solidFill>
+                            <a:schemeClr val="tx1"/>
+                          </a:solidFill>
+                        </a:rPr>
+                        <a:t>거래처 </a:t>
+                      </a:r>
+                      <a:r>
+                        <a:rPr lang="en-US" altLang="ko-KR" sz="1600" dirty="0">
+                          <a:solidFill>
+                            <a:schemeClr val="tx1"/>
+                          </a:solidFill>
+                        </a:rPr>
+                        <a:t>E</a:t>
+                      </a:r>
+                      <a:endParaRPr lang="ko-KR" altLang="en-US" sz="1600" dirty="0">
+                        <a:solidFill>
+                          <a:schemeClr val="tx1"/>
+                        </a:solidFill>
+                      </a:endParaRPr>
+                    </a:p>
+                  </a:txBody>
+                  <a:tcPr/>
+                </a:tc>
+                <a:tc>
+                  <a:txBody>
+                    <a:bodyPr/>
+                    <a:lstStyle/>
+                    <a:p>
+                      <a:pPr marL="0" marR="0" lvl="0" indent="0" algn="l" defTabSz="914400" rtl="0" eaLnBrk="1" fontAlgn="auto" latinLnBrk="1" hangingPunct="1">
+                        <a:lnSpc>
+                          <a:spcPct val="100000"/>
+                        </a:lnSpc>
+                        <a:spcBef>
+                          <a:spcPts val="0"/>
+                        </a:spcBef>
+                        <a:spcAft>
+                          <a:spcPts val="0"/>
+                        </a:spcAft>
+                        <a:buClrTx/>
+                        <a:buSzTx/>
+                        <a:buFontTx/>
+                        <a:buNone/>
+                        <a:tabLst/>
+                        <a:defRPr/>
+                      </a:pPr>
+                      <a:r>
+                        <a:rPr lang="en-US" altLang="ko-KR" sz="1200" dirty="0"/>
+                        <a:t>AD217005</a:t>
+                      </a:r>
+                      <a:endParaRPr lang="ko-KR" altLang="en-US" sz="1200" dirty="0">
+                        <a:highlight>
+                          <a:srgbClr val="FFFF00"/>
+                        </a:highlight>
+                      </a:endParaRPr>
+                    </a:p>
+                  </a:txBody>
+                  <a:tcPr/>
+                </a:tc>
+                <a:tc>
+                  <a:txBody>
+                    <a:bodyPr/>
+                    <a:lstStyle/>
+                    <a:p>
+                      <a:pPr marL="0" marR="0" lvl="0" indent="0" algn="l" defTabSz="914400" rtl="0" eaLnBrk="1" fontAlgn="auto" latinLnBrk="1" hangingPunct="1">
+                        <a:lnSpc>
+                          <a:spcPct val="100000"/>
+                        </a:lnSpc>
+                        <a:spcBef>
+                          <a:spcPts val="0"/>
+                        </a:spcBef>
+                        <a:spcAft>
+                          <a:spcPts val="0"/>
+                        </a:spcAft>
+                        <a:buClrTx/>
+                        <a:buSzTx/>
+                        <a:buFontTx/>
+                        <a:buNone/>
+                        <a:tabLst/>
+                        <a:defRPr/>
+                      </a:pPr>
+                      <a:r>
+                        <a:rPr lang="ko-KR" altLang="en-US" u="sng" dirty="0"/>
+                        <a:t>품목</a:t>
+                      </a:r>
+                      <a:r>
+                        <a:rPr lang="en-US" altLang="ko-KR" u="sng" dirty="0"/>
+                        <a:t>E</a:t>
+                      </a:r>
+                      <a:endParaRPr lang="ko-KR" altLang="en-US" u="sng" dirty="0"/>
                     </a:p>
                   </a:txBody>
                   <a:tcPr/>
@@ -4757,7 +5824,10 @@
                     <a:lstStyle/>
                     <a:p>
                       <a:pPr latinLnBrk="1"/>
-                      <a:endParaRPr lang="ko-KR" altLang="en-US"/>
+                      <a:r>
+                        <a:rPr lang="ko-KR" altLang="en-US" dirty="0"/>
+                        <a:t>일반</a:t>
+                      </a:r>
                     </a:p>
                   </a:txBody>
                   <a:tcPr/>
@@ -4767,8 +5837,54 @@
                     <a:bodyPr/>
                     <a:lstStyle/>
                     <a:p>
-                      <a:pPr latinLnBrk="1"/>
-                      <a:endParaRPr lang="ko-KR" altLang="en-US"/>
+                      <a:pPr marL="0" marR="0" lvl="0" indent="0" algn="l" defTabSz="914400" rtl="0" eaLnBrk="1" fontAlgn="auto" latinLnBrk="1" hangingPunct="1">
+                        <a:lnSpc>
+                          <a:spcPct val="100000"/>
+                        </a:lnSpc>
+                        <a:spcBef>
+                          <a:spcPts val="0"/>
+                        </a:spcBef>
+                        <a:spcAft>
+                          <a:spcPts val="0"/>
+                        </a:spcAft>
+                        <a:buClrTx/>
+                        <a:buSzTx/>
+                        <a:buFontTx/>
+                        <a:buNone/>
+                        <a:tabLst/>
+                        <a:defRPr/>
+                      </a:pPr>
+                      <a:r>
+                        <a:rPr kumimoji="0" lang="ko-KR" altLang="en-US" sz="1800" b="0" i="0" u="none" strike="noStrike" kern="1200" cap="none" spc="0" normalizeH="0" baseline="0" noProof="0">
+                          <a:ln>
+                            <a:noFill/>
+                          </a:ln>
+                          <a:solidFill>
+                            <a:prstClr val="black"/>
+                          </a:solidFill>
+                          <a:effectLst/>
+                          <a:uLnTx/>
+                          <a:uFillTx/>
+                          <a:latin typeface="맑은 고딕" panose="020F0502020204030204"/>
+                          <a:ea typeface="맑은 고딕" panose="020B0503020000020004" pitchFamily="50" charset="-127"/>
+                          <a:cs typeface="+mn-cs"/>
+                        </a:rPr>
+                        <a:t>액체</a:t>
+                      </a:r>
+                      <a:endParaRPr kumimoji="0" lang="ko-KR" altLang="en-US" sz="1800" b="0" i="0" u="none" strike="noStrike" kern="1200" cap="none" spc="0" normalizeH="0" baseline="0" noProof="0" dirty="0">
+                        <a:ln>
+                          <a:noFill/>
+                        </a:ln>
+                        <a:solidFill>
+                          <a:prstClr val="black"/>
+                        </a:solidFill>
+                        <a:effectLst/>
+                        <a:uLnTx/>
+                        <a:uFillTx/>
+                        <a:latin typeface="맑은 고딕" panose="020F0502020204030204"/>
+                        <a:ea typeface="맑은 고딕" panose="020B0503020000020004" pitchFamily="50" charset="-127"/>
+                        <a:cs typeface="+mn-cs"/>
+                      </a:endParaRPr>
                     </a:p>
                   </a:txBody>
                   <a:tcPr/>
@@ -4778,30 +5894,54 @@
                     <a:bodyPr/>
                     <a:lstStyle/>
                     <a:p>
-                      <a:pPr latinLnBrk="1"/>
-                      <a:endParaRPr lang="ko-KR" altLang="en-US"/>
-                    </a:p>
-                  </a:txBody>
-                  <a:tcPr/>
-                </a:tc>
-                <a:tc>
-                  <a:txBody>
-                    <a:bodyPr/>
-                    <a:lstStyle/>
-                    <a:p>
-                      <a:pPr latinLnBrk="1"/>
-                      <a:endParaRPr lang="ko-KR" altLang="en-US"/>
-                    </a:p>
-                  </a:txBody>
-                  <a:tcPr/>
-                </a:tc>
-                <a:tc>
-                  <a:txBody>
-                    <a:bodyPr/>
-                    <a:lstStyle/>
-                    <a:p>
-                      <a:pPr latinLnBrk="1"/>
-                      <a:endParaRPr lang="ko-KR" altLang="en-US"/>
+                      <a:pPr marL="0" marR="0" lvl="0" indent="0" algn="l" defTabSz="914400" rtl="0" eaLnBrk="1" fontAlgn="auto" latinLnBrk="1" hangingPunct="1">
+                        <a:lnSpc>
+                          <a:spcPct val="100000"/>
+                        </a:lnSpc>
+                        <a:spcBef>
+                          <a:spcPts val="0"/>
+                        </a:spcBef>
+                        <a:spcAft>
+                          <a:spcPts val="0"/>
+                        </a:spcAft>
+                        <a:buClrTx/>
+                        <a:buSzTx/>
+                        <a:buFontTx/>
+                        <a:buNone/>
+                        <a:tabLst/>
+                        <a:defRPr/>
+                      </a:pPr>
+                      <a:r>
+                        <a:rPr kumimoji="0" lang="en-US" altLang="ko-KR" sz="1600" b="0" i="0" u="none" strike="noStrike" kern="1200" cap="none" spc="0" normalizeH="0" baseline="0" noProof="0" dirty="0">
+                          <a:ln>
+                            <a:noFill/>
+                          </a:ln>
+                          <a:solidFill>
+                            <a:prstClr val="black"/>
+                          </a:solidFill>
+                          <a:effectLst/>
+                          <a:uLnTx/>
+                          <a:uFillTx/>
+                          <a:latin typeface="맑은 고딕" panose="020F0502020204030204"/>
+                          <a:ea typeface="맑은 고딕" panose="020B0503020000020004" pitchFamily="50" charset="-127"/>
+                          <a:cs typeface="+mn-cs"/>
+                        </a:rPr>
+                        <a:t>300,000</a:t>
+                      </a:r>
+                      <a:endParaRPr kumimoji="0" lang="ko-KR" altLang="en-US" sz="1600" b="0" i="0" u="none" strike="noStrike" kern="1200" cap="none" spc="0" normalizeH="0" baseline="0" noProof="0" dirty="0">
+                        <a:ln>
+                          <a:noFill/>
+                        </a:ln>
+                        <a:solidFill>
+                          <a:prstClr val="black"/>
+                        </a:solidFill>
+                        <a:effectLst/>
+                        <a:uLnTx/>
+                        <a:uFillTx/>
+                        <a:latin typeface="맑은 고딕" panose="020F0502020204030204"/>
+                        <a:ea typeface="맑은 고딕" panose="020B0503020000020004" pitchFamily="50" charset="-127"/>
+                        <a:cs typeface="+mn-cs"/>
+                      </a:endParaRPr>
                     </a:p>
                   </a:txBody>
                   <a:tcPr/>
@@ -4840,8 +5980,114 @@
                     <a:bodyPr/>
                     <a:lstStyle/>
                     <a:p>
-                      <a:pPr latinLnBrk="1"/>
-                      <a:endParaRPr lang="ko-KR" altLang="en-US" b="1"/>
+                      <a:pPr marL="0" marR="0" lvl="0" indent="0" algn="l" defTabSz="914400" rtl="0" eaLnBrk="1" fontAlgn="auto" latinLnBrk="1" hangingPunct="1">
+                        <a:lnSpc>
+                          <a:spcPct val="100000"/>
+                        </a:lnSpc>
+                        <a:spcBef>
+                          <a:spcPts val="0"/>
+                        </a:spcBef>
+                        <a:spcAft>
+                          <a:spcPts val="0"/>
+                        </a:spcAft>
+                        <a:buClrTx/>
+                        <a:buSzTx/>
+                        <a:buFontTx/>
+                        <a:buNone/>
+                        <a:tabLst/>
+                        <a:defRPr/>
+                      </a:pPr>
+                      <a:r>
+                        <a:rPr lang="ko-KR" altLang="en-US" sz="1600" dirty="0">
+                          <a:solidFill>
+                            <a:schemeClr val="tx1"/>
+                          </a:solidFill>
+                        </a:rPr>
+                        <a:t>거래처 </a:t>
+                      </a:r>
+                      <a:r>
+                        <a:rPr lang="en-US" altLang="ko-KR" sz="1600" dirty="0">
+                          <a:solidFill>
+                            <a:schemeClr val="tx1"/>
+                          </a:solidFill>
+                        </a:rPr>
+                        <a:t>F</a:t>
+                      </a:r>
+                      <a:endParaRPr lang="ko-KR" altLang="en-US" sz="1600" dirty="0">
+                        <a:solidFill>
+                          <a:schemeClr val="tx1"/>
+                        </a:solidFill>
+                      </a:endParaRPr>
+                    </a:p>
+                  </a:txBody>
+                  <a:tcPr/>
+                </a:tc>
+                <a:tc>
+                  <a:txBody>
+                    <a:bodyPr/>
+                    <a:lstStyle/>
+                    <a:p>
+                      <a:pPr marL="0" marR="0" lvl="0" indent="0" algn="l" defTabSz="914400" rtl="0" eaLnBrk="1" fontAlgn="auto" latinLnBrk="1" hangingPunct="1">
+                        <a:lnSpc>
+                          <a:spcPct val="100000"/>
+                        </a:lnSpc>
+                        <a:spcBef>
+                          <a:spcPts val="0"/>
+                        </a:spcBef>
+                        <a:spcAft>
+                          <a:spcPts val="0"/>
+                        </a:spcAft>
+                        <a:buClrTx/>
+                        <a:buSzTx/>
+                        <a:buFontTx/>
+                        <a:buNone/>
+                        <a:tabLst/>
+                        <a:defRPr/>
+                      </a:pPr>
+                      <a:r>
+                        <a:rPr lang="en-US" altLang="ko-KR" sz="1200" dirty="0"/>
+                        <a:t>AD217005</a:t>
+                      </a:r>
+                      <a:endParaRPr lang="ko-KR" altLang="en-US" sz="1200" dirty="0">
+                        <a:highlight>
+                          <a:srgbClr val="FFFF00"/>
+                        </a:highlight>
+                      </a:endParaRPr>
+                    </a:p>
+                  </a:txBody>
+                  <a:tcPr/>
+                </a:tc>
+                <a:tc>
+                  <a:txBody>
+                    <a:bodyPr/>
+                    <a:lstStyle/>
+                    <a:p>
+                      <a:pPr marL="0" marR="0" lvl="0" indent="0" algn="l" defTabSz="914400" rtl="0" eaLnBrk="1" fontAlgn="auto" latinLnBrk="1" hangingPunct="1">
+                        <a:lnSpc>
+                          <a:spcPct val="100000"/>
+                        </a:lnSpc>
+                        <a:spcBef>
+                          <a:spcPts val="0"/>
+                        </a:spcBef>
+                        <a:spcAft>
+                          <a:spcPts val="0"/>
+                        </a:spcAft>
+                        <a:buClrTx/>
+                        <a:buSzTx/>
+                        <a:buFontTx/>
+                        <a:buNone/>
+                        <a:tabLst/>
+                        <a:defRPr/>
+                      </a:pPr>
+                      <a:r>
+                        <a:rPr lang="ko-KR" altLang="en-US" u="sng" dirty="0"/>
+                        <a:t>품목</a:t>
+                      </a:r>
+                      <a:r>
+                        <a:rPr lang="en-US" altLang="ko-KR" u="sng" dirty="0"/>
+                        <a:t>F</a:t>
+                      </a:r>
+                      <a:endParaRPr lang="ko-KR" altLang="en-US" u="sng" dirty="0"/>
                     </a:p>
                   </a:txBody>
                   <a:tcPr/>
@@ -4852,7 +6098,110 @@
                     <a:lstStyle/>
                     <a:p>
                       <a:pPr latinLnBrk="1"/>
-                      <a:endParaRPr lang="ko-KR" altLang="en-US"/>
+                      <a:r>
+                        <a:rPr lang="ko-KR" altLang="en-US" dirty="0"/>
+                        <a:t>일반</a:t>
+                      </a:r>
+                    </a:p>
+                  </a:txBody>
+                  <a:tcPr/>
+                </a:tc>
+                <a:tc>
+                  <a:txBody>
+                    <a:bodyPr/>
+                    <a:lstStyle/>
+                    <a:p>
+                      <a:pPr marL="0" marR="0" lvl="0" indent="0" algn="l" defTabSz="914400" rtl="0" eaLnBrk="1" fontAlgn="auto" latinLnBrk="1" hangingPunct="1">
+                        <a:lnSpc>
+                          <a:spcPct val="100000"/>
+                        </a:lnSpc>
+                        <a:spcBef>
+                          <a:spcPts val="0"/>
+                        </a:spcBef>
+                        <a:spcAft>
+                          <a:spcPts val="0"/>
+                        </a:spcAft>
+                        <a:buClrTx/>
+                        <a:buSzTx/>
+                        <a:buFontTx/>
+                        <a:buNone/>
+                        <a:tabLst/>
+                        <a:defRPr/>
+                      </a:pPr>
+                      <a:r>
+                        <a:rPr kumimoji="0" lang="ko-KR" altLang="en-US" sz="1800" b="0" i="0" u="none" strike="noStrike" kern="1200" cap="none" spc="0" normalizeH="0" baseline="0" noProof="0" dirty="0">
+                          <a:ln>
+                            <a:noFill/>
+                          </a:ln>
+                          <a:solidFill>
+                            <a:prstClr val="black"/>
+                          </a:solidFill>
+                          <a:effectLst/>
+                          <a:uLnTx/>
+                          <a:uFillTx/>
+                          <a:latin typeface="맑은 고딕" panose="020F0502020204030204"/>
+                          <a:ea typeface="맑은 고딕" panose="020B0503020000020004" pitchFamily="50" charset="-127"/>
+                          <a:cs typeface="+mn-cs"/>
+                        </a:rPr>
+                        <a:t>액체</a:t>
+                      </a:r>
+                    </a:p>
+                  </a:txBody>
+                  <a:tcPr/>
+                </a:tc>
+                <a:tc>
+                  <a:txBody>
+                    <a:bodyPr/>
+                    <a:lstStyle/>
+                    <a:p>
+                      <a:pPr marL="0" marR="0" lvl="0" indent="0" algn="l" defTabSz="914400" rtl="0" eaLnBrk="1" fontAlgn="auto" latinLnBrk="1" hangingPunct="1">
+                        <a:lnSpc>
+                          <a:spcPct val="100000"/>
+                        </a:lnSpc>
+                        <a:spcBef>
+                          <a:spcPts val="0"/>
+                        </a:spcBef>
+                        <a:spcAft>
+                          <a:spcPts val="0"/>
+                        </a:spcAft>
+                        <a:buClrTx/>
+                        <a:buSzTx/>
+                        <a:buFontTx/>
+                        <a:buNone/>
+                        <a:tabLst/>
+                        <a:defRPr/>
+                      </a:pPr>
+                      <a:r>
+                        <a:rPr kumimoji="0" lang="en-US" altLang="ko-KR" sz="1600" b="0" i="0" u="none" strike="noStrike" kern="1200" cap="none" spc="0" normalizeH="0" baseline="0" noProof="0" dirty="0">
+                          <a:ln>
+                            <a:noFill/>
+                          </a:ln>
+                          <a:solidFill>
+                            <a:prstClr val="black"/>
+                          </a:solidFill>
+                          <a:effectLst/>
+                          <a:uLnTx/>
+                          <a:uFillTx/>
+                          <a:latin typeface="맑은 고딕" panose="020F0502020204030204"/>
+                          <a:ea typeface="맑은 고딕" panose="020B0503020000020004" pitchFamily="50" charset="-127"/>
+                          <a:cs typeface="+mn-cs"/>
+                        </a:rPr>
+                        <a:t>30,000</a:t>
+                      </a:r>
+                      <a:endParaRPr kumimoji="0" lang="ko-KR" altLang="en-US" sz="1600" b="0" i="0" u="none" strike="noStrike" kern="1200" cap="none" spc="0" normalizeH="0" baseline="0" noProof="0" dirty="0">
+                        <a:ln>
+                          <a:noFill/>
+                        </a:ln>
+                        <a:solidFill>
+                          <a:prstClr val="black"/>
+                        </a:solidFill>
+                        <a:effectLst/>
+                        <a:uLnTx/>
+                        <a:uFillTx/>
+                        <a:latin typeface="맑은 고딕" panose="020F0502020204030204"/>
+                        <a:ea typeface="맑은 고딕" panose="020B0503020000020004" pitchFamily="50" charset="-127"/>
+                        <a:cs typeface="+mn-cs"/>
+                      </a:endParaRPr>
                     </a:p>
                   </a:txBody>
                   <a:tcPr/>
@@ -4863,7 +6212,7 @@
                     <a:lstStyle/>
                     <a:p>
                       <a:pPr latinLnBrk="1"/>
-                      <a:endParaRPr lang="ko-KR" altLang="en-US"/>
+                      <a:endParaRPr lang="ko-KR" altLang="en-US" dirty="0"/>
                     </a:p>
                   </a:txBody>
                   <a:tcPr/>
@@ -4874,51 +6223,7 @@
                     <a:lstStyle/>
                     <a:p>
                       <a:pPr latinLnBrk="1"/>
-                      <a:endParaRPr lang="ko-KR" altLang="en-US"/>
-                    </a:p>
-                  </a:txBody>
-                  <a:tcPr/>
-                </a:tc>
-                <a:tc>
-                  <a:txBody>
-                    <a:bodyPr/>
-                    <a:lstStyle/>
-                    <a:p>
-                      <a:pPr latinLnBrk="1"/>
-                      <a:endParaRPr lang="ko-KR" altLang="en-US"/>
-                    </a:p>
-                  </a:txBody>
-                  <a:tcPr/>
-                </a:tc>
-                <a:tc>
-                  <a:txBody>
-                    <a:bodyPr/>
-                    <a:lstStyle/>
-                    <a:p>
-                      <a:pPr latinLnBrk="1"/>
-                      <a:endParaRPr lang="ko-KR" altLang="en-US"/>
-                    </a:p>
-                  </a:txBody>
-                  <a:tcPr/>
-                </a:tc>
-                <a:tc>
-                  <a:txBody>
-                    <a:bodyPr/>
-                    <a:lstStyle/>
-                    <a:p>
-                      <a:pPr latinLnBrk="1"/>
-                      <a:endParaRPr lang="ko-KR" altLang="en-US"/>
-                    </a:p>
-                  </a:txBody>
-                  <a:tcPr/>
-                </a:tc>
-                <a:tc>
-                  <a:txBody>
-                    <a:bodyPr/>
-                    <a:lstStyle/>
-                    <a:p>
-                      <a:pPr latinLnBrk="1"/>
-                      <a:endParaRPr lang="ko-KR" altLang="en-US"/>
+                      <a:endParaRPr lang="ko-KR" altLang="en-US" dirty="0"/>
                     </a:p>
                   </a:txBody>
                   <a:tcPr/>
@@ -4926,196 +6231,6 @@
                 <a:extLst>
                   <a:ext uri="{0D108BD9-81ED-4DB2-BD59-A6C34878D82A}">
                     <a16:rowId xmlns:a16="http://schemas.microsoft.com/office/drawing/2014/main" val="2647799828"/>
-                  </a:ext>
-                </a:extLst>
-              </a:tr>
-              <a:tr h="370840">
-                <a:tc>
-                  <a:txBody>
-                    <a:bodyPr/>
-                    <a:lstStyle/>
-                    <a:p>
-                      <a:pPr latinLnBrk="1"/>
-                      <a:endParaRPr lang="ko-KR" altLang="en-US" b="1"/>
-                    </a:p>
-                  </a:txBody>
-                  <a:tcPr/>
-                </a:tc>
-                <a:tc>
-                  <a:txBody>
-                    <a:bodyPr/>
-                    <a:lstStyle/>
-                    <a:p>
-                      <a:pPr latinLnBrk="1"/>
-                      <a:endParaRPr lang="ko-KR" altLang="en-US"/>
-                    </a:p>
-                  </a:txBody>
-                  <a:tcPr/>
-                </a:tc>
-                <a:tc>
-                  <a:txBody>
-                    <a:bodyPr/>
-                    <a:lstStyle/>
-                    <a:p>
-                      <a:pPr latinLnBrk="1"/>
-                      <a:endParaRPr lang="ko-KR" altLang="en-US"/>
-                    </a:p>
-                  </a:txBody>
-                  <a:tcPr/>
-                </a:tc>
-                <a:tc>
-                  <a:txBody>
-                    <a:bodyPr/>
-                    <a:lstStyle/>
-                    <a:p>
-                      <a:pPr latinLnBrk="1"/>
-                      <a:endParaRPr lang="ko-KR" altLang="en-US"/>
-                    </a:p>
-                  </a:txBody>
-                  <a:tcPr/>
-                </a:tc>
-                <a:tc>
-                  <a:txBody>
-                    <a:bodyPr/>
-                    <a:lstStyle/>
-                    <a:p>
-                      <a:pPr latinLnBrk="1"/>
-                      <a:endParaRPr lang="ko-KR" altLang="en-US"/>
-                    </a:p>
-                  </a:txBody>
-                  <a:tcPr/>
-                </a:tc>
-                <a:tc>
-                  <a:txBody>
-                    <a:bodyPr/>
-                    <a:lstStyle/>
-                    <a:p>
-                      <a:pPr latinLnBrk="1"/>
-                      <a:endParaRPr lang="ko-KR" altLang="en-US"/>
-                    </a:p>
-                  </a:txBody>
-                  <a:tcPr/>
-                </a:tc>
-                <a:tc>
-                  <a:txBody>
-                    <a:bodyPr/>
-                    <a:lstStyle/>
-                    <a:p>
-                      <a:pPr latinLnBrk="1"/>
-                      <a:endParaRPr lang="ko-KR" altLang="en-US"/>
-                    </a:p>
-                  </a:txBody>
-                  <a:tcPr/>
-                </a:tc>
-                <a:tc>
-                  <a:txBody>
-                    <a:bodyPr/>
-                    <a:lstStyle/>
-                    <a:p>
-                      <a:pPr latinLnBrk="1"/>
-                      <a:endParaRPr lang="ko-KR" altLang="en-US"/>
-                    </a:p>
-                  </a:txBody>
-                  <a:tcPr/>
-                </a:tc>
-                <a:extLst>
-                  <a:ext uri="{0D108BD9-81ED-4DB2-BD59-A6C34878D82A}">
-                    <a16:rowId xmlns:a16="http://schemas.microsoft.com/office/drawing/2014/main" val="367588861"/>
-                  </a:ext>
-                </a:extLst>
-              </a:tr>
-              <a:tr h="370840">
-                <a:tc>
-                  <a:txBody>
-                    <a:bodyPr/>
-                    <a:lstStyle/>
-                    <a:p>
-                      <a:pPr latinLnBrk="1"/>
-                      <a:endParaRPr lang="ko-KR" altLang="en-US" b="1"/>
-                    </a:p>
-                  </a:txBody>
-                  <a:tcPr/>
-                </a:tc>
-                <a:tc>
-                  <a:txBody>
-                    <a:bodyPr/>
-                    <a:lstStyle/>
-                    <a:p>
-                      <a:pPr latinLnBrk="1"/>
-                      <a:endParaRPr lang="ko-KR" altLang="en-US"/>
-                    </a:p>
-                  </a:txBody>
-                  <a:tcPr/>
-                </a:tc>
-                <a:tc>
-                  <a:txBody>
-                    <a:bodyPr/>
-                    <a:lstStyle/>
-                    <a:p>
-                      <a:pPr latinLnBrk="1"/>
-                      <a:endParaRPr lang="ko-KR" altLang="en-US"/>
-                    </a:p>
-                  </a:txBody>
-                  <a:tcPr/>
-                </a:tc>
-                <a:tc>
-                  <a:txBody>
-                    <a:bodyPr/>
-                    <a:lstStyle/>
-                    <a:p>
-                      <a:pPr latinLnBrk="1"/>
-                      <a:endParaRPr lang="ko-KR" altLang="en-US"/>
-                    </a:p>
-                  </a:txBody>
-                  <a:tcPr/>
-                </a:tc>
-                <a:tc>
-                  <a:txBody>
-                    <a:bodyPr/>
-                    <a:lstStyle/>
-                    <a:p>
-                      <a:pPr latinLnBrk="1"/>
-                      <a:endParaRPr lang="ko-KR" altLang="en-US"/>
-                    </a:p>
-                  </a:txBody>
-                  <a:tcPr/>
-                </a:tc>
-                <a:tc>
-                  <a:txBody>
-                    <a:bodyPr/>
-                    <a:lstStyle/>
-                    <a:p>
-                      <a:pPr latinLnBrk="1"/>
-                      <a:endParaRPr lang="ko-KR" altLang="en-US"/>
-                    </a:p>
-                  </a:txBody>
-                  <a:tcPr/>
-                </a:tc>
-                <a:tc>
-                  <a:txBody>
-                    <a:bodyPr/>
-                    <a:lstStyle/>
-                    <a:p>
-                      <a:pPr latinLnBrk="1"/>
-                      <a:endParaRPr lang="ko-KR" altLang="en-US"/>
-                    </a:p>
-                  </a:txBody>
-                  <a:tcPr/>
-                </a:tc>
-                <a:tc>
-                  <a:txBody>
-                    <a:bodyPr/>
-                    <a:lstStyle/>
-                    <a:p>
-                      <a:pPr latinLnBrk="1"/>
-                      <a:endParaRPr lang="ko-KR" altLang="en-US"/>
-                    </a:p>
-                  </a:txBody>
-                  <a:tcPr/>
-                </a:tc>
-                <a:extLst>
-                  <a:ext uri="{0D108BD9-81ED-4DB2-BD59-A6C34878D82A}">
-                    <a16:rowId xmlns:a16="http://schemas.microsoft.com/office/drawing/2014/main" val="2968769349"/>
                   </a:ext>
                 </a:extLst>
               </a:tr>
@@ -5420,100 +6535,6 @@
         <p:spPr>
           <a:xfrm>
             <a:off x="11098309" y="4754547"/>
-            <a:ext cx="741572" cy="227002"/>
-          </a:xfrm>
-          <a:prstGeom prst="roundRect">
-            <a:avLst/>
-          </a:prstGeom>
-        </p:spPr>
-        <p:style>
-          <a:lnRef idx="2">
-            <a:schemeClr val="dk1"/>
-          </a:lnRef>
-          <a:fillRef idx="1">
-            <a:schemeClr val="lt1"/>
-          </a:fillRef>
-          <a:effectRef idx="0">
-            <a:schemeClr val="dk1"/>
-          </a:effectRef>
-          <a:fontRef idx="minor">
-            <a:schemeClr val="dk1"/>
-          </a:fontRef>
-        </p:style>
-        <p:txBody>
-          <a:bodyPr rtlCol="0" anchor="ctr"/>
-          <a:lstStyle/>
-          <a:p>
-            <a:pPr algn="ctr"/>
-            <a:r>
-              <a:rPr lang="ko-KR" altLang="en-US" sz="800"/>
-              <a:t>거래 종료 </a:t>
-            </a:r>
-          </a:p>
-        </p:txBody>
-      </p:sp>
-      <p:sp>
-        <p:nvSpPr>
-          <p:cNvPr id="146" name="사각형: 둥근 모서리 145">
-            <a:extLst>
-              <a:ext uri="{FF2B5EF4-FFF2-40B4-BE49-F238E27FC236}">
-                <a16:creationId xmlns:a16="http://schemas.microsoft.com/office/drawing/2014/main" id="{95DDAA2F-A490-2A0E-2EFD-AE4B12E4601B}"/>
-              </a:ext>
-            </a:extLst>
-          </p:cNvPr>
-          <p:cNvSpPr/>
-          <p:nvPr/>
-        </p:nvSpPr>
-        <p:spPr>
-          <a:xfrm>
-            <a:off x="11092086" y="5126070"/>
-            <a:ext cx="741572" cy="227002"/>
-          </a:xfrm>
-          <a:prstGeom prst="roundRect">
-            <a:avLst/>
-          </a:prstGeom>
-        </p:spPr>
-        <p:style>
-          <a:lnRef idx="2">
-            <a:schemeClr val="dk1"/>
-          </a:lnRef>
-          <a:fillRef idx="1">
-            <a:schemeClr val="lt1"/>
-          </a:fillRef>
-          <a:effectRef idx="0">
-            <a:schemeClr val="dk1"/>
-          </a:effectRef>
-          <a:fontRef idx="minor">
-            <a:schemeClr val="dk1"/>
-          </a:fontRef>
-        </p:style>
-        <p:txBody>
-          <a:bodyPr rtlCol="0" anchor="ctr"/>
-          <a:lstStyle/>
-          <a:p>
-            <a:pPr algn="ctr"/>
-            <a:r>
-              <a:rPr lang="ko-KR" altLang="en-US" sz="800"/>
-              <a:t>거래 종료 </a:t>
-            </a:r>
-          </a:p>
-        </p:txBody>
-      </p:sp>
-      <p:sp>
-        <p:nvSpPr>
-          <p:cNvPr id="149" name="사각형: 둥근 모서리 148">
-            <a:extLst>
-              <a:ext uri="{FF2B5EF4-FFF2-40B4-BE49-F238E27FC236}">
-                <a16:creationId xmlns:a16="http://schemas.microsoft.com/office/drawing/2014/main" id="{EF833BD2-96A8-87C7-711A-D044C5686FAF}"/>
-              </a:ext>
-            </a:extLst>
-          </p:cNvPr>
-          <p:cNvSpPr/>
-          <p:nvPr/>
-        </p:nvSpPr>
-        <p:spPr>
-          <a:xfrm>
-            <a:off x="11092086" y="5494654"/>
             <a:ext cx="741572" cy="227002"/>
           </a:xfrm>
           <a:prstGeom prst="roundRect">
@@ -5862,7 +6883,7 @@
         </p:nvSpPr>
         <p:spPr>
           <a:xfrm>
-            <a:off x="2712878" y="2195996"/>
+            <a:off x="2679626" y="2195996"/>
             <a:ext cx="156117" cy="161693"/>
           </a:xfrm>
           <a:prstGeom prst="flowChartConnector">
@@ -5894,14 +6915,14 @@
           <a:p>
             <a:pPr algn="ctr"/>
             <a:r>
-              <a:rPr lang="en-US" altLang="ko-KR" sz="1000">
+              <a:rPr lang="en-US" altLang="ko-KR" sz="1000" dirty="0">
                 <a:solidFill>
                   <a:schemeClr val="tx1"/>
                 </a:solidFill>
               </a:rPr>
               <a:t>3</a:t>
             </a:r>
-            <a:endParaRPr lang="ko-KR" altLang="en-US" sz="1000">
+            <a:endParaRPr lang="ko-KR" altLang="en-US" sz="1000" dirty="0">
               <a:solidFill>
                 <a:schemeClr val="tx1"/>
               </a:solidFill>

--- a/화면 설계서/2.수주대상 품목 조회 페이지.pptx
+++ b/화면 설계서/2.수주대상 품목 조회 페이지.pptx
@@ -3980,7 +3980,7 @@
           <p:nvPr>
             <p:extLst>
               <p:ext uri="{D42A27DB-BD31-4B8C-83A1-F6EECF244321}">
-                <p14:modId xmlns:p14="http://schemas.microsoft.com/office/powerpoint/2010/main" val="1939170834"/>
+                <p14:modId xmlns:p14="http://schemas.microsoft.com/office/powerpoint/2010/main" val="2469957872"/>
               </p:ext>
             </p:extLst>
           </p:nvPr>
@@ -4038,14 +4038,14 @@
                     </a:ext>
                   </a:extLst>
                 </a:gridCol>
-                <a:gridCol w="2816670">
+                <a:gridCol w="1789360">
                   <a:extLst>
                     <a:ext uri="{9D8B030D-6E8A-4147-A177-3AD203B41FA5}">
                       <a16:colId xmlns:a16="http://schemas.microsoft.com/office/drawing/2014/main" val="2485335048"/>
                     </a:ext>
                   </a:extLst>
                 </a:gridCol>
-                <a:gridCol w="1218603">
+                <a:gridCol w="2245913">
                   <a:extLst>
                     <a:ext uri="{9D8B030D-6E8A-4147-A177-3AD203B41FA5}">
                       <a16:colId xmlns:a16="http://schemas.microsoft.com/office/drawing/2014/main" val="2847004007"/>
@@ -4171,7 +4171,10 @@
                     <a:lstStyle/>
                     <a:p>
                       <a:pPr latinLnBrk="1"/>
-                      <a:endParaRPr lang="ko-KR" altLang="en-US"/>
+                      <a:r>
+                        <a:rPr lang="ko-KR" altLang="en-US"/>
+                        <a:t>거래 상태</a:t>
+                      </a:r>
                     </a:p>
                   </a:txBody>
                   <a:tcPr/>
@@ -4393,7 +4396,10 @@
                     <a:lstStyle/>
                     <a:p>
                       <a:pPr latinLnBrk="1"/>
-                      <a:endParaRPr lang="ko-KR" altLang="en-US"/>
+                      <a:r>
+                        <a:rPr lang="ko-KR" altLang="en-US"/>
+                        <a:t>거래중</a:t>
+                      </a:r>
                     </a:p>
                   </a:txBody>
                   <a:tcPr/>
@@ -4634,8 +4640,27 @@
                     <a:bodyPr/>
                     <a:lstStyle/>
                     <a:p>
-                      <a:pPr latinLnBrk="1"/>
-                      <a:endParaRPr lang="ko-KR" altLang="en-US"/>
+                      <a:pPr marL="0" marR="0" lvl="0" indent="0" algn="l" defTabSz="914400" rtl="0" eaLnBrk="1" fontAlgn="auto" latinLnBrk="1" hangingPunct="1">
+                        <a:lnSpc>
+                          <a:spcPct val="100000"/>
+                        </a:lnSpc>
+                        <a:spcBef>
+                          <a:spcPts val="0"/>
+                        </a:spcBef>
+                        <a:spcAft>
+                          <a:spcPts val="0"/>
+                        </a:spcAft>
+                        <a:buClrTx/>
+                        <a:buSzTx/>
+                        <a:buFontTx/>
+                        <a:buNone/>
+                        <a:tabLst/>
+                        <a:defRPr/>
+                      </a:pPr>
+                      <a:r>
+                        <a:rPr lang="ko-KR" altLang="en-US"/>
+                        <a:t>거래중</a:t>
+                      </a:r>
                     </a:p>
                   </a:txBody>
                   <a:tcPr/>
@@ -4894,8 +4919,27 @@
                     <a:bodyPr/>
                     <a:lstStyle/>
                     <a:p>
-                      <a:pPr latinLnBrk="1"/>
-                      <a:endParaRPr lang="ko-KR" altLang="en-US"/>
+                      <a:pPr marL="0" marR="0" lvl="0" indent="0" algn="l" defTabSz="914400" rtl="0" eaLnBrk="1" fontAlgn="auto" latinLnBrk="1" hangingPunct="1">
+                        <a:lnSpc>
+                          <a:spcPct val="100000"/>
+                        </a:lnSpc>
+                        <a:spcBef>
+                          <a:spcPts val="0"/>
+                        </a:spcBef>
+                        <a:spcAft>
+                          <a:spcPts val="0"/>
+                        </a:spcAft>
+                        <a:buClrTx/>
+                        <a:buSzTx/>
+                        <a:buFontTx/>
+                        <a:buNone/>
+                        <a:tabLst/>
+                        <a:defRPr/>
+                      </a:pPr>
+                      <a:r>
+                        <a:rPr lang="ko-KR" altLang="en-US"/>
+                        <a:t>거래중</a:t>
+                      </a:r>
                     </a:p>
                   </a:txBody>
                   <a:tcPr/>
@@ -5154,8 +5198,27 @@
                     <a:bodyPr/>
                     <a:lstStyle/>
                     <a:p>
-                      <a:pPr latinLnBrk="1"/>
-                      <a:endParaRPr lang="ko-KR" altLang="en-US"/>
+                      <a:pPr marL="0" marR="0" lvl="0" indent="0" algn="l" defTabSz="914400" rtl="0" eaLnBrk="1" fontAlgn="auto" latinLnBrk="1" hangingPunct="1">
+                        <a:lnSpc>
+                          <a:spcPct val="100000"/>
+                        </a:lnSpc>
+                        <a:spcBef>
+                          <a:spcPts val="0"/>
+                        </a:spcBef>
+                        <a:spcAft>
+                          <a:spcPts val="0"/>
+                        </a:spcAft>
+                        <a:buClrTx/>
+                        <a:buSzTx/>
+                        <a:buFontTx/>
+                        <a:buNone/>
+                        <a:tabLst/>
+                        <a:defRPr/>
+                      </a:pPr>
+                      <a:r>
+                        <a:rPr lang="ko-KR" altLang="en-US"/>
+                        <a:t>거래중</a:t>
+                      </a:r>
                     </a:p>
                   </a:txBody>
                   <a:tcPr/>
@@ -5414,8 +5477,27 @@
                     <a:bodyPr/>
                     <a:lstStyle/>
                     <a:p>
-                      <a:pPr latinLnBrk="1"/>
-                      <a:endParaRPr lang="ko-KR" altLang="en-US"/>
+                      <a:pPr marL="0" marR="0" lvl="0" indent="0" algn="l" defTabSz="914400" rtl="0" eaLnBrk="1" fontAlgn="auto" latinLnBrk="1" hangingPunct="1">
+                        <a:lnSpc>
+                          <a:spcPct val="100000"/>
+                        </a:lnSpc>
+                        <a:spcBef>
+                          <a:spcPts val="0"/>
+                        </a:spcBef>
+                        <a:spcAft>
+                          <a:spcPts val="0"/>
+                        </a:spcAft>
+                        <a:buClrTx/>
+                        <a:buSzTx/>
+                        <a:buFontTx/>
+                        <a:buNone/>
+                        <a:tabLst/>
+                        <a:defRPr/>
+                      </a:pPr>
+                      <a:r>
+                        <a:rPr lang="ko-KR" altLang="en-US"/>
+                        <a:t>거래중</a:t>
+                      </a:r>
                     </a:p>
                   </a:txBody>
                   <a:tcPr/>
@@ -5688,8 +5770,27 @@
                     <a:bodyPr/>
                     <a:lstStyle/>
                     <a:p>
-                      <a:pPr latinLnBrk="1"/>
-                      <a:endParaRPr lang="ko-KR" altLang="en-US"/>
+                      <a:pPr marL="0" marR="0" lvl="0" indent="0" algn="l" defTabSz="914400" rtl="0" eaLnBrk="1" fontAlgn="auto" latinLnBrk="1" hangingPunct="1">
+                        <a:lnSpc>
+                          <a:spcPct val="100000"/>
+                        </a:lnSpc>
+                        <a:spcBef>
+                          <a:spcPts val="0"/>
+                        </a:spcBef>
+                        <a:spcAft>
+                          <a:spcPts val="0"/>
+                        </a:spcAft>
+                        <a:buClrTx/>
+                        <a:buSzTx/>
+                        <a:buFontTx/>
+                        <a:buNone/>
+                        <a:tabLst/>
+                        <a:defRPr/>
+                      </a:pPr>
+                      <a:r>
+                        <a:rPr lang="ko-KR" altLang="en-US"/>
+                        <a:t>거래중</a:t>
+                      </a:r>
                     </a:p>
                   </a:txBody>
                   <a:tcPr/>
@@ -5962,8 +6063,27 @@
                     <a:bodyPr/>
                     <a:lstStyle/>
                     <a:p>
-                      <a:pPr latinLnBrk="1"/>
-                      <a:endParaRPr lang="ko-KR" altLang="en-US"/>
+                      <a:pPr marL="0" marR="0" lvl="0" indent="0" algn="l" defTabSz="914400" rtl="0" eaLnBrk="1" fontAlgn="auto" latinLnBrk="1" hangingPunct="1">
+                        <a:lnSpc>
+                          <a:spcPct val="100000"/>
+                        </a:lnSpc>
+                        <a:spcBef>
+                          <a:spcPts val="0"/>
+                        </a:spcBef>
+                        <a:spcAft>
+                          <a:spcPts val="0"/>
+                        </a:spcAft>
+                        <a:buClrTx/>
+                        <a:buSzTx/>
+                        <a:buFontTx/>
+                        <a:buNone/>
+                        <a:tabLst/>
+                        <a:defRPr/>
+                      </a:pPr>
+                      <a:r>
+                        <a:rPr lang="ko-KR" altLang="en-US"/>
+                        <a:t>거래중</a:t>
+                      </a:r>
                     </a:p>
                   </a:txBody>
                   <a:tcPr/>
@@ -6222,8 +6342,27 @@
                     <a:bodyPr/>
                     <a:lstStyle/>
                     <a:p>
-                      <a:pPr latinLnBrk="1"/>
-                      <a:endParaRPr lang="ko-KR" altLang="en-US" dirty="0"/>
+                      <a:pPr marL="0" marR="0" lvl="0" indent="0" algn="l" defTabSz="914400" rtl="0" eaLnBrk="1" fontAlgn="auto" latinLnBrk="1" hangingPunct="1">
+                        <a:lnSpc>
+                          <a:spcPct val="100000"/>
+                        </a:lnSpc>
+                        <a:spcBef>
+                          <a:spcPts val="0"/>
+                        </a:spcBef>
+                        <a:spcAft>
+                          <a:spcPts val="0"/>
+                        </a:spcAft>
+                        <a:buClrTx/>
+                        <a:buSzTx/>
+                        <a:buFontTx/>
+                        <a:buNone/>
+                        <a:tabLst/>
+                        <a:defRPr/>
+                      </a:pPr>
+                      <a:r>
+                        <a:rPr lang="ko-KR" altLang="en-US"/>
+                        <a:t>거래중</a:t>
+                      </a:r>
                     </a:p>
                   </a:txBody>
                   <a:tcPr/>
